--- a/Soutenance_Projet_POO.pptx
+++ b/Soutenance_Projet_POO.pptx
@@ -5,10 +5,10 @@
     <p:sldMasterId id="2147483648" r:id="rId4"/>
   </p:sldMasterIdLst>
   <p:notesMasterIdLst>
-    <p:notesMasterId r:id="rId18"/>
+    <p:notesMasterId r:id="rId19"/>
   </p:notesMasterIdLst>
   <p:handoutMasterIdLst>
-    <p:handoutMasterId r:id="rId19"/>
+    <p:handoutMasterId r:id="rId20"/>
   </p:handoutMasterIdLst>
   <p:sldIdLst>
     <p:sldId id="258" r:id="rId5"/>
@@ -17,13 +17,14 @@
     <p:sldId id="270" r:id="rId8"/>
     <p:sldId id="271" r:id="rId9"/>
     <p:sldId id="272" r:id="rId10"/>
-    <p:sldId id="266" r:id="rId11"/>
+    <p:sldId id="273" r:id="rId11"/>
     <p:sldId id="277" r:id="rId12"/>
-    <p:sldId id="273" r:id="rId13"/>
+    <p:sldId id="266" r:id="rId13"/>
     <p:sldId id="275" r:id="rId14"/>
-    <p:sldId id="274" r:id="rId15"/>
-    <p:sldId id="276" r:id="rId16"/>
+    <p:sldId id="279" r:id="rId15"/>
+    <p:sldId id="280" r:id="rId16"/>
     <p:sldId id="256" r:id="rId17"/>
+    <p:sldId id="274" r:id="rId18"/>
   </p:sldIdLst>
   <p:sldSz cx="12192000" cy="6858000"/>
   <p:notesSz cx="6858000" cy="9144000"/>
@@ -144,668 +145,6 @@
 </p:presentation>
 </file>
 
-<file path=ppt/charts/chart1.xml><?xml version="1.0" encoding="utf-8"?>
-<c:chartSpace xmlns:c="http://schemas.openxmlformats.org/drawingml/2006/chart" xmlns:a="http://schemas.openxmlformats.org/drawingml/2006/main" xmlns:r="http://schemas.openxmlformats.org/officeDocument/2006/relationships" xmlns:c16r2="http://schemas.microsoft.com/office/drawing/2015/06/chart">
-  <c:date1904 val="0"/>
-  <c:lang val="fr-FR"/>
-  <c:roundedCorners val="0"/>
-  <mc:AlternateContent xmlns:mc="http://schemas.openxmlformats.org/markup-compatibility/2006">
-    <mc:Choice xmlns:c14="http://schemas.microsoft.com/office/drawing/2007/8/2/chart" Requires="c14">
-      <c14:style val="102"/>
-    </mc:Choice>
-    <mc:Fallback>
-      <c:style val="2"/>
-    </mc:Fallback>
-  </mc:AlternateContent>
-  <c:chart>
-    <c:autoTitleDeleted val="0"/>
-    <c:plotArea>
-      <c:layout/>
-      <c:pieChart>
-        <c:varyColors val="1"/>
-        <c:dLbls>
-          <c:showLegendKey val="0"/>
-          <c:showVal val="0"/>
-          <c:showCatName val="0"/>
-          <c:showSerName val="0"/>
-          <c:showPercent val="0"/>
-          <c:showBubbleSize val="0"/>
-          <c:showLeaderLines val="0"/>
-        </c:dLbls>
-        <c:firstSliceAng val="0"/>
-      </c:pieChart>
-      <c:spPr>
-        <a:noFill/>
-        <a:ln>
-          <a:noFill/>
-        </a:ln>
-        <a:effectLst/>
-      </c:spPr>
-    </c:plotArea>
-    <c:legend>
-      <c:legendPos val="b"/>
-      <c:overlay val="0"/>
-      <c:spPr>
-        <a:noFill/>
-        <a:ln>
-          <a:noFill/>
-        </a:ln>
-        <a:effectLst/>
-      </c:spPr>
-      <c:txPr>
-        <a:bodyPr rot="0" spcFirstLastPara="1" vertOverflow="ellipsis" vert="horz" wrap="square" anchor="ctr" anchorCtr="1"/>
-        <a:lstStyle/>
-        <a:p>
-          <a:pPr>
-            <a:defRPr lang="fr-FR" sz="1197" b="0" i="0" u="none" strike="noStrike" kern="1200" baseline="0" noProof="0">
-              <a:solidFill>
-                <a:schemeClr val="tx1">
-                  <a:lumMod val="65000"/>
-                  <a:lumOff val="35000"/>
-                </a:schemeClr>
-              </a:solidFill>
-              <a:latin typeface="+mn-lt"/>
-              <a:ea typeface="+mn-ea"/>
-              <a:cs typeface="+mn-cs"/>
-            </a:defRPr>
-          </a:pPr>
-          <a:endParaRPr lang="fr-FR"/>
-        </a:p>
-      </c:txPr>
-    </c:legend>
-    <c:plotVisOnly val="1"/>
-    <c:dispBlanksAs val="gap"/>
-    <c:extLst>
-      <c:ext xmlns:c16r3="http://schemas.microsoft.com/office/drawing/2017/03/chart" uri="{56B9EC1D-385E-4148-901F-78D8002777C0}">
-        <c16r3:dataDisplayOptions16>
-          <c16r3:dispNaAsBlank val="1"/>
-        </c16r3:dataDisplayOptions16>
-      </c:ext>
-    </c:extLst>
-    <c:showDLblsOverMax val="0"/>
-  </c:chart>
-  <c:spPr>
-    <a:noFill/>
-    <a:ln>
-      <a:noFill/>
-    </a:ln>
-    <a:effectLst/>
-  </c:spPr>
-  <c:txPr>
-    <a:bodyPr/>
-    <a:lstStyle/>
-    <a:p>
-      <a:pPr>
-        <a:defRPr lang="fr-FR" noProof="0"/>
-      </a:pPr>
-      <a:endParaRPr lang="fr-FR"/>
-    </a:p>
-  </c:txPr>
-  <c:externalData r:id="rId3">
-    <c:autoUpdate val="0"/>
-  </c:externalData>
-</c:chartSpace>
-</file>
-
-<file path=ppt/charts/colors1.xml><?xml version="1.0" encoding="utf-8"?>
-<cs:colorStyle xmlns:cs="http://schemas.microsoft.com/office/drawing/2012/chartStyle" xmlns:a="http://schemas.openxmlformats.org/drawingml/2006/main" meth="cycle" id="10">
-  <a:schemeClr val="accent1"/>
-  <a:schemeClr val="accent2"/>
-  <a:schemeClr val="accent3"/>
-  <a:schemeClr val="accent4"/>
-  <a:schemeClr val="accent5"/>
-  <a:schemeClr val="accent6"/>
-  <cs:variation/>
-  <cs:variation>
-    <a:lumMod val="60000"/>
-  </cs:variation>
-  <cs:variation>
-    <a:lumMod val="80000"/>
-    <a:lumOff val="20000"/>
-  </cs:variation>
-  <cs:variation>
-    <a:lumMod val="80000"/>
-  </cs:variation>
-  <cs:variation>
-    <a:lumMod val="60000"/>
-    <a:lumOff val="40000"/>
-  </cs:variation>
-  <cs:variation>
-    <a:lumMod val="50000"/>
-  </cs:variation>
-  <cs:variation>
-    <a:lumMod val="70000"/>
-    <a:lumOff val="30000"/>
-  </cs:variation>
-  <cs:variation>
-    <a:lumMod val="70000"/>
-  </cs:variation>
-  <cs:variation>
-    <a:lumMod val="50000"/>
-    <a:lumOff val="50000"/>
-  </cs:variation>
-</cs:colorStyle>
-</file>
-
-<file path=ppt/charts/style1.xml><?xml version="1.0" encoding="utf-8"?>
-<cs:chartStyle xmlns:cs="http://schemas.microsoft.com/office/drawing/2012/chartStyle" xmlns:a="http://schemas.openxmlformats.org/drawingml/2006/main" id="251">
-  <cs:axisTitle>
-    <cs:lnRef idx="0"/>
-    <cs:fillRef idx="0"/>
-    <cs:effectRef idx="0"/>
-    <cs:fontRef idx="minor">
-      <a:schemeClr val="tx1">
-        <a:lumMod val="65000"/>
-        <a:lumOff val="35000"/>
-      </a:schemeClr>
-    </cs:fontRef>
-    <cs:defRPr sz="1330" kern="1200"/>
-  </cs:axisTitle>
-  <cs:categoryAxis>
-    <cs:lnRef idx="0"/>
-    <cs:fillRef idx="0"/>
-    <cs:effectRef idx="0"/>
-    <cs:fontRef idx="minor">
-      <a:schemeClr val="tx1">
-        <a:lumMod val="65000"/>
-        <a:lumOff val="35000"/>
-      </a:schemeClr>
-    </cs:fontRef>
-    <cs:spPr>
-      <a:ln w="9525" cap="flat" cmpd="sng" algn="ctr">
-        <a:solidFill>
-          <a:schemeClr val="tx1">
-            <a:lumMod val="15000"/>
-            <a:lumOff val="85000"/>
-          </a:schemeClr>
-        </a:solidFill>
-        <a:round/>
-      </a:ln>
-    </cs:spPr>
-    <cs:defRPr sz="1197" kern="1200"/>
-  </cs:categoryAxis>
-  <cs:chartArea mods="allowNoFillOverride allowNoLineOverride">
-    <cs:lnRef idx="0"/>
-    <cs:fillRef idx="0"/>
-    <cs:effectRef idx="0"/>
-    <cs:fontRef idx="minor">
-      <a:schemeClr val="tx1"/>
-    </cs:fontRef>
-    <cs:spPr>
-      <a:solidFill>
-        <a:schemeClr val="bg1"/>
-      </a:solidFill>
-      <a:ln w="9525" cap="flat" cmpd="sng" algn="ctr">
-        <a:solidFill>
-          <a:schemeClr val="tx1">
-            <a:lumMod val="15000"/>
-            <a:lumOff val="85000"/>
-          </a:schemeClr>
-        </a:solidFill>
-        <a:round/>
-      </a:ln>
-    </cs:spPr>
-    <cs:defRPr sz="1197" kern="1200"/>
-  </cs:chartArea>
-  <cs:dataLabel>
-    <cs:lnRef idx="0"/>
-    <cs:fillRef idx="0"/>
-    <cs:effectRef idx="0"/>
-    <cs:fontRef idx="minor">
-      <a:schemeClr val="tx1">
-        <a:lumMod val="75000"/>
-        <a:lumOff val="25000"/>
-      </a:schemeClr>
-    </cs:fontRef>
-    <cs:defRPr sz="1197" kern="1200"/>
-  </cs:dataLabel>
-  <cs:dataLabelCallout>
-    <cs:lnRef idx="0"/>
-    <cs:fillRef idx="0"/>
-    <cs:effectRef idx="0"/>
-    <cs:fontRef idx="minor">
-      <a:schemeClr val="dk1">
-        <a:lumMod val="65000"/>
-        <a:lumOff val="35000"/>
-      </a:schemeClr>
-    </cs:fontRef>
-    <cs:spPr>
-      <a:solidFill>
-        <a:schemeClr val="lt1"/>
-      </a:solidFill>
-      <a:ln>
-        <a:solidFill>
-          <a:schemeClr val="dk1">
-            <a:lumMod val="25000"/>
-            <a:lumOff val="75000"/>
-          </a:schemeClr>
-        </a:solidFill>
-      </a:ln>
-    </cs:spPr>
-    <cs:defRPr sz="1197" kern="1200"/>
-    <cs:bodyPr rot="0" spcFirstLastPara="1" vertOverflow="clip" horzOverflow="clip" vert="horz" wrap="square" lIns="36576" tIns="18288" rIns="36576" bIns="18288" anchor="ctr" anchorCtr="1">
-      <a:spAutoFit/>
-    </cs:bodyPr>
-  </cs:dataLabelCallout>
-  <cs:dataPoint>
-    <cs:lnRef idx="0"/>
-    <cs:fillRef idx="1">
-      <cs:styleClr val="auto"/>
-    </cs:fillRef>
-    <cs:effectRef idx="0"/>
-    <cs:fontRef idx="minor">
-      <a:schemeClr val="tx1"/>
-    </cs:fontRef>
-    <cs:spPr>
-      <a:ln w="19050">
-        <a:solidFill>
-          <a:schemeClr val="lt1"/>
-        </a:solidFill>
-      </a:ln>
-    </cs:spPr>
-  </cs:dataPoint>
-  <cs:dataPoint3D>
-    <cs:lnRef idx="0"/>
-    <cs:fillRef idx="1">
-      <cs:styleClr val="auto"/>
-    </cs:fillRef>
-    <cs:effectRef idx="0"/>
-    <cs:fontRef idx="minor">
-      <a:schemeClr val="tx1"/>
-    </cs:fontRef>
-    <cs:spPr>
-      <a:ln w="25400">
-        <a:solidFill>
-          <a:schemeClr val="lt1"/>
-        </a:solidFill>
-      </a:ln>
-    </cs:spPr>
-  </cs:dataPoint3D>
-  <cs:dataPointLine>
-    <cs:lnRef idx="0">
-      <cs:styleClr val="auto"/>
-    </cs:lnRef>
-    <cs:fillRef idx="0"/>
-    <cs:effectRef idx="0"/>
-    <cs:fontRef idx="minor">
-      <a:schemeClr val="tx1"/>
-    </cs:fontRef>
-    <cs:spPr>
-      <a:ln w="28575" cap="rnd">
-        <a:solidFill>
-          <a:schemeClr val="phClr"/>
-        </a:solidFill>
-        <a:round/>
-      </a:ln>
-    </cs:spPr>
-  </cs:dataPointLine>
-  <cs:dataPointMarker>
-    <cs:lnRef idx="0">
-      <cs:styleClr val="auto"/>
-    </cs:lnRef>
-    <cs:fillRef idx="1">
-      <cs:styleClr val="auto"/>
-    </cs:fillRef>
-    <cs:effectRef idx="0"/>
-    <cs:fontRef idx="minor">
-      <a:schemeClr val="tx1"/>
-    </cs:fontRef>
-    <cs:spPr>
-      <a:ln w="9525">
-        <a:solidFill>
-          <a:schemeClr val="phClr"/>
-        </a:solidFill>
-      </a:ln>
-    </cs:spPr>
-  </cs:dataPointMarker>
-  <cs:dataPointMarkerLayout symbol="circle" size="5"/>
-  <cs:dataPointWireframe>
-    <cs:lnRef idx="0">
-      <cs:styleClr val="auto"/>
-    </cs:lnRef>
-    <cs:fillRef idx="0"/>
-    <cs:effectRef idx="0"/>
-    <cs:fontRef idx="minor">
-      <a:schemeClr val="tx1"/>
-    </cs:fontRef>
-    <cs:spPr>
-      <a:ln w="9525" cap="rnd">
-        <a:solidFill>
-          <a:schemeClr val="phClr"/>
-        </a:solidFill>
-        <a:round/>
-      </a:ln>
-    </cs:spPr>
-  </cs:dataPointWireframe>
-  <cs:dataTable>
-    <cs:lnRef idx="0"/>
-    <cs:fillRef idx="0"/>
-    <cs:effectRef idx="0"/>
-    <cs:fontRef idx="minor">
-      <a:schemeClr val="tx1">
-        <a:lumMod val="65000"/>
-        <a:lumOff val="35000"/>
-      </a:schemeClr>
-    </cs:fontRef>
-    <cs:spPr>
-      <a:noFill/>
-      <a:ln w="9525" cap="flat" cmpd="sng" algn="ctr">
-        <a:solidFill>
-          <a:schemeClr val="tx1">
-            <a:lumMod val="15000"/>
-            <a:lumOff val="85000"/>
-          </a:schemeClr>
-        </a:solidFill>
-        <a:round/>
-      </a:ln>
-    </cs:spPr>
-    <cs:defRPr sz="1197" kern="1200"/>
-  </cs:dataTable>
-  <cs:downBar>
-    <cs:lnRef idx="0"/>
-    <cs:fillRef idx="0"/>
-    <cs:effectRef idx="0"/>
-    <cs:fontRef idx="minor">
-      <a:schemeClr val="tx1"/>
-    </cs:fontRef>
-    <cs:spPr>
-      <a:solidFill>
-        <a:schemeClr val="dk1">
-          <a:lumMod val="75000"/>
-          <a:lumOff val="25000"/>
-        </a:schemeClr>
-      </a:solidFill>
-      <a:ln w="9525" cap="flat" cmpd="sng" algn="ctr">
-        <a:solidFill>
-          <a:schemeClr val="tx1">
-            <a:lumMod val="65000"/>
-            <a:lumOff val="35000"/>
-          </a:schemeClr>
-        </a:solidFill>
-        <a:round/>
-      </a:ln>
-    </cs:spPr>
-  </cs:downBar>
-  <cs:dropLine>
-    <cs:lnRef idx="0"/>
-    <cs:fillRef idx="0"/>
-    <cs:effectRef idx="0"/>
-    <cs:fontRef idx="minor">
-      <a:schemeClr val="tx1"/>
-    </cs:fontRef>
-    <cs:spPr>
-      <a:ln w="9525" cap="flat" cmpd="sng" algn="ctr">
-        <a:solidFill>
-          <a:schemeClr val="tx1">
-            <a:lumMod val="35000"/>
-            <a:lumOff val="65000"/>
-          </a:schemeClr>
-        </a:solidFill>
-        <a:round/>
-      </a:ln>
-    </cs:spPr>
-  </cs:dropLine>
-  <cs:errorBar>
-    <cs:lnRef idx="0"/>
-    <cs:fillRef idx="0"/>
-    <cs:effectRef idx="0"/>
-    <cs:fontRef idx="minor">
-      <a:schemeClr val="tx1"/>
-    </cs:fontRef>
-    <cs:spPr>
-      <a:ln w="9525" cap="flat" cmpd="sng" algn="ctr">
-        <a:solidFill>
-          <a:schemeClr val="tx1">
-            <a:lumMod val="65000"/>
-            <a:lumOff val="35000"/>
-          </a:schemeClr>
-        </a:solidFill>
-        <a:round/>
-      </a:ln>
-    </cs:spPr>
-  </cs:errorBar>
-  <cs:floor>
-    <cs:lnRef idx="0"/>
-    <cs:fillRef idx="0"/>
-    <cs:effectRef idx="0"/>
-    <cs:fontRef idx="minor">
-      <a:schemeClr val="tx1"/>
-    </cs:fontRef>
-    <cs:spPr>
-      <a:noFill/>
-      <a:ln>
-        <a:noFill/>
-      </a:ln>
-    </cs:spPr>
-  </cs:floor>
-  <cs:gridlineMajor>
-    <cs:lnRef idx="0"/>
-    <cs:fillRef idx="0"/>
-    <cs:effectRef idx="0"/>
-    <cs:fontRef idx="minor">
-      <a:schemeClr val="tx1"/>
-    </cs:fontRef>
-    <cs:spPr>
-      <a:ln w="9525" cap="flat" cmpd="sng" algn="ctr">
-        <a:solidFill>
-          <a:schemeClr val="tx1">
-            <a:lumMod val="15000"/>
-            <a:lumOff val="85000"/>
-          </a:schemeClr>
-        </a:solidFill>
-        <a:round/>
-      </a:ln>
-    </cs:spPr>
-  </cs:gridlineMajor>
-  <cs:gridlineMinor>
-    <cs:lnRef idx="0"/>
-    <cs:fillRef idx="0"/>
-    <cs:effectRef idx="0"/>
-    <cs:fontRef idx="minor">
-      <a:schemeClr val="tx1"/>
-    </cs:fontRef>
-    <cs:spPr>
-      <a:ln w="9525" cap="flat" cmpd="sng" algn="ctr">
-        <a:solidFill>
-          <a:schemeClr val="tx1">
-            <a:lumMod val="5000"/>
-            <a:lumOff val="95000"/>
-          </a:schemeClr>
-        </a:solidFill>
-        <a:round/>
-      </a:ln>
-    </cs:spPr>
-  </cs:gridlineMinor>
-  <cs:hiLoLine>
-    <cs:lnRef idx="0"/>
-    <cs:fillRef idx="0"/>
-    <cs:effectRef idx="0"/>
-    <cs:fontRef idx="minor">
-      <a:schemeClr val="tx1"/>
-    </cs:fontRef>
-    <cs:spPr>
-      <a:ln w="9525" cap="flat" cmpd="sng" algn="ctr">
-        <a:solidFill>
-          <a:schemeClr val="tx1">
-            <a:lumMod val="50000"/>
-            <a:lumOff val="50000"/>
-          </a:schemeClr>
-        </a:solidFill>
-        <a:round/>
-      </a:ln>
-    </cs:spPr>
-  </cs:hiLoLine>
-  <cs:leaderLine>
-    <cs:lnRef idx="0"/>
-    <cs:fillRef idx="0"/>
-    <cs:effectRef idx="0"/>
-    <cs:fontRef idx="minor">
-      <a:schemeClr val="tx1"/>
-    </cs:fontRef>
-    <cs:spPr>
-      <a:ln w="9525" cap="flat" cmpd="sng" algn="ctr">
-        <a:solidFill>
-          <a:schemeClr val="tx1">
-            <a:lumMod val="35000"/>
-            <a:lumOff val="65000"/>
-          </a:schemeClr>
-        </a:solidFill>
-        <a:round/>
-      </a:ln>
-    </cs:spPr>
-  </cs:leaderLine>
-  <cs:legend>
-    <cs:lnRef idx="0"/>
-    <cs:fillRef idx="0"/>
-    <cs:effectRef idx="0"/>
-    <cs:fontRef idx="minor">
-      <a:schemeClr val="tx1">
-        <a:lumMod val="65000"/>
-        <a:lumOff val="35000"/>
-      </a:schemeClr>
-    </cs:fontRef>
-    <cs:defRPr sz="1197" kern="1200"/>
-  </cs:legend>
-  <cs:plotArea mods="allowNoFillOverride allowNoLineOverride">
-    <cs:lnRef idx="0"/>
-    <cs:fillRef idx="0"/>
-    <cs:effectRef idx="0"/>
-    <cs:fontRef idx="minor">
-      <a:schemeClr val="tx1"/>
-    </cs:fontRef>
-  </cs:plotArea>
-  <cs:plotArea3D mods="allowNoFillOverride allowNoLineOverride">
-    <cs:lnRef idx="0"/>
-    <cs:fillRef idx="0"/>
-    <cs:effectRef idx="0"/>
-    <cs:fontRef idx="minor">
-      <a:schemeClr val="tx1"/>
-    </cs:fontRef>
-  </cs:plotArea3D>
-  <cs:seriesAxis>
-    <cs:lnRef idx="0"/>
-    <cs:fillRef idx="0"/>
-    <cs:effectRef idx="0"/>
-    <cs:fontRef idx="minor">
-      <a:schemeClr val="tx1">
-        <a:lumMod val="65000"/>
-        <a:lumOff val="35000"/>
-      </a:schemeClr>
-    </cs:fontRef>
-    <cs:defRPr sz="1197" kern="1200"/>
-  </cs:seriesAxis>
-  <cs:seriesLine>
-    <cs:lnRef idx="0"/>
-    <cs:fillRef idx="0"/>
-    <cs:effectRef idx="0"/>
-    <cs:fontRef idx="minor">
-      <a:schemeClr val="tx1"/>
-    </cs:fontRef>
-    <cs:spPr>
-      <a:ln w="9525" cap="flat" cmpd="sng" algn="ctr">
-        <a:solidFill>
-          <a:schemeClr val="tx1">
-            <a:lumMod val="35000"/>
-            <a:lumOff val="65000"/>
-          </a:schemeClr>
-        </a:solidFill>
-        <a:round/>
-      </a:ln>
-    </cs:spPr>
-  </cs:seriesLine>
-  <cs:title>
-    <cs:lnRef idx="0"/>
-    <cs:fillRef idx="0"/>
-    <cs:effectRef idx="0"/>
-    <cs:fontRef idx="minor">
-      <a:schemeClr val="tx1">
-        <a:lumMod val="65000"/>
-        <a:lumOff val="35000"/>
-      </a:schemeClr>
-    </cs:fontRef>
-    <cs:defRPr sz="1862" b="0" kern="1200" spc="0" baseline="0"/>
-  </cs:title>
-  <cs:trendline>
-    <cs:lnRef idx="0">
-      <cs:styleClr val="auto"/>
-    </cs:lnRef>
-    <cs:fillRef idx="0"/>
-    <cs:effectRef idx="0"/>
-    <cs:fontRef idx="minor">
-      <a:schemeClr val="tx1"/>
-    </cs:fontRef>
-    <cs:spPr>
-      <a:ln w="19050" cap="rnd">
-        <a:solidFill>
-          <a:schemeClr val="phClr"/>
-        </a:solidFill>
-        <a:prstDash val="sysDot"/>
-      </a:ln>
-    </cs:spPr>
-  </cs:trendline>
-  <cs:trendlineLabel>
-    <cs:lnRef idx="0"/>
-    <cs:fillRef idx="0"/>
-    <cs:effectRef idx="0"/>
-    <cs:fontRef idx="minor">
-      <a:schemeClr val="tx1">
-        <a:lumMod val="65000"/>
-        <a:lumOff val="35000"/>
-      </a:schemeClr>
-    </cs:fontRef>
-    <cs:defRPr sz="1197" kern="1200"/>
-  </cs:trendlineLabel>
-  <cs:upBar>
-    <cs:lnRef idx="0"/>
-    <cs:fillRef idx="0"/>
-    <cs:effectRef idx="0"/>
-    <cs:fontRef idx="minor">
-      <a:schemeClr val="tx1"/>
-    </cs:fontRef>
-    <cs:spPr>
-      <a:solidFill>
-        <a:schemeClr val="lt1"/>
-      </a:solidFill>
-      <a:ln w="9525" cap="flat" cmpd="sng" algn="ctr">
-        <a:solidFill>
-          <a:schemeClr val="tx1">
-            <a:lumMod val="65000"/>
-            <a:lumOff val="35000"/>
-          </a:schemeClr>
-        </a:solidFill>
-        <a:round/>
-      </a:ln>
-    </cs:spPr>
-  </cs:upBar>
-  <cs:valueAxis>
-    <cs:lnRef idx="0"/>
-    <cs:fillRef idx="0"/>
-    <cs:effectRef idx="0"/>
-    <cs:fontRef idx="minor">
-      <a:schemeClr val="tx1">
-        <a:lumMod val="65000"/>
-        <a:lumOff val="35000"/>
-      </a:schemeClr>
-    </cs:fontRef>
-    <cs:defRPr sz="1197" kern="1200"/>
-  </cs:valueAxis>
-  <cs:wall>
-    <cs:lnRef idx="0"/>
-    <cs:fillRef idx="0"/>
-    <cs:effectRef idx="0"/>
-    <cs:fontRef idx="minor">
-      <a:schemeClr val="tx1"/>
-    </cs:fontRef>
-    <cs:spPr>
-      <a:noFill/>
-      <a:ln>
-        <a:noFill/>
-      </a:ln>
-    </cs:spPr>
-  </cs:wall>
-</cs:chartStyle>
-</file>
-
 <file path=ppt/handoutMasters/handoutMaster1.xml><?xml version="1.0" encoding="utf-8"?>
 <p:handoutMaster xmlns:a="http://schemas.openxmlformats.org/drawingml/2006/main" xmlns:r="http://schemas.openxmlformats.org/officeDocument/2006/relationships" xmlns:p="http://schemas.openxmlformats.org/presentationml/2006/main">
   <p:cSld>
@@ -890,7 +229,7 @@
             <a:pPr rtl="0"/>
             <a:fld id="{023DB037-710F-4A44-BDF0-28DC42F2FAE9}" type="datetime1">
               <a:rPr lang="fr-FR" smtClean="0"/>
-              <a:t>01/12/2020</a:t>
+              <a:t>03/12/2020</a:t>
             </a:fld>
             <a:endParaRPr lang="fr-FR" dirty="0"/>
           </a:p>
@@ -1060,7 +399,7 @@
             <a:fld id="{284718FD-5C33-42D8-BCA9-0B83DD06AC51}" type="datetime1">
               <a:rPr lang="fr-FR" smtClean="0"/>
               <a:pPr/>
-              <a:t>01/12/2020</a:t>
+              <a:t>03/12/2020</a:t>
             </a:fld>
             <a:endParaRPr lang="fr-FR" dirty="0"/>
           </a:p>
@@ -1493,7 +832,7 @@
     </p:spTree>
     <p:extLst>
       <p:ext uri="{BB962C8B-B14F-4D97-AF65-F5344CB8AC3E}">
-        <p14:creationId xmlns:p14="http://schemas.microsoft.com/office/powerpoint/2010/main" val="179059431"/>
+        <p14:creationId xmlns:p14="http://schemas.microsoft.com/office/powerpoint/2010/main" val="1728756682"/>
       </p:ext>
     </p:extLst>
   </p:cSld>
@@ -1579,7 +918,7 @@
     </p:spTree>
     <p:extLst>
       <p:ext uri="{BB962C8B-B14F-4D97-AF65-F5344CB8AC3E}">
-        <p14:creationId xmlns:p14="http://schemas.microsoft.com/office/powerpoint/2010/main" val="2588220561"/>
+        <p14:creationId xmlns:p14="http://schemas.microsoft.com/office/powerpoint/2010/main" val="441427035"/>
       </p:ext>
     </p:extLst>
   </p:cSld>
@@ -1666,6 +1005,92 @@
     <p:extLst>
       <p:ext uri="{BB962C8B-B14F-4D97-AF65-F5344CB8AC3E}">
         <p14:creationId xmlns:p14="http://schemas.microsoft.com/office/powerpoint/2010/main" val="2343547624"/>
+      </p:ext>
+    </p:extLst>
+  </p:cSld>
+  <p:clrMapOvr>
+    <a:masterClrMapping/>
+  </p:clrMapOvr>
+</p:notes>
+</file>
+
+<file path=ppt/notesSlides/notesSlide13.xml><?xml version="1.0" encoding="utf-8"?>
+<p:notes xmlns:a="http://schemas.openxmlformats.org/drawingml/2006/main" xmlns:r="http://schemas.openxmlformats.org/officeDocument/2006/relationships" xmlns:p="http://schemas.openxmlformats.org/presentationml/2006/main">
+  <p:cSld>
+    <p:spTree>
+      <p:nvGrpSpPr>
+        <p:cNvPr id="1" name=""/>
+        <p:cNvGrpSpPr/>
+        <p:nvPr/>
+      </p:nvGrpSpPr>
+      <p:grpSpPr>
+        <a:xfrm>
+          <a:off x="0" y="0"/>
+          <a:ext cx="0" cy="0"/>
+          <a:chOff x="0" y="0"/>
+          <a:chExt cx="0" cy="0"/>
+        </a:xfrm>
+      </p:grpSpPr>
+      <p:sp>
+        <p:nvSpPr>
+          <p:cNvPr id="2" name="Espace réservé de l’image des diapositives 1"/>
+          <p:cNvSpPr>
+            <a:spLocks noGrp="1" noRot="1" noChangeAspect="1"/>
+          </p:cNvSpPr>
+          <p:nvPr>
+            <p:ph type="sldImg"/>
+          </p:nvPr>
+        </p:nvSpPr>
+        <p:spPr/>
+      </p:sp>
+      <p:sp>
+        <p:nvSpPr>
+          <p:cNvPr id="3" name="Espace réservé des commentaires 2"/>
+          <p:cNvSpPr>
+            <a:spLocks noGrp="1"/>
+          </p:cNvSpPr>
+          <p:nvPr>
+            <p:ph type="body" idx="1"/>
+          </p:nvPr>
+        </p:nvSpPr>
+        <p:spPr/>
+        <p:txBody>
+          <a:bodyPr rtlCol="0"/>
+          <a:lstStyle/>
+          <a:p>
+            <a:pPr rtl="0"/>
+            <a:endParaRPr lang="fr-FR" dirty="0"/>
+          </a:p>
+        </p:txBody>
+      </p:sp>
+      <p:sp>
+        <p:nvSpPr>
+          <p:cNvPr id="4" name="Espace réservé du numéro de diapositive 3"/>
+          <p:cNvSpPr>
+            <a:spLocks noGrp="1"/>
+          </p:cNvSpPr>
+          <p:nvPr>
+            <p:ph type="sldNum" sz="quarter" idx="10"/>
+          </p:nvPr>
+        </p:nvSpPr>
+        <p:spPr/>
+        <p:txBody>
+          <a:bodyPr rtlCol="0"/>
+          <a:lstStyle/>
+          <a:p>
+            <a:pPr rtl="0"/>
+            <a:fld id="{6336304E-FDE3-4B4F-A3B7-EBE87F3FA5E2}" type="slidenum">
+              <a:rPr lang="fr-FR" smtClean="0"/>
+              <a:t>14</a:t>
+            </a:fld>
+            <a:endParaRPr lang="fr-FR" dirty="0"/>
+          </a:p>
+        </p:txBody>
+      </p:sp>
+    </p:spTree>
+    <p:extLst>
+      <p:ext uri="{BB962C8B-B14F-4D97-AF65-F5344CB8AC3E}">
+        <p14:creationId xmlns:p14="http://schemas.microsoft.com/office/powerpoint/2010/main" val="179059431"/>
       </p:ext>
     </p:extLst>
   </p:cSld>
@@ -2181,7 +1606,7 @@
     </p:spTree>
     <p:extLst>
       <p:ext uri="{BB962C8B-B14F-4D97-AF65-F5344CB8AC3E}">
-        <p14:creationId xmlns:p14="http://schemas.microsoft.com/office/powerpoint/2010/main" val="3140794334"/>
+        <p14:creationId xmlns:p14="http://schemas.microsoft.com/office/powerpoint/2010/main" val="698221037"/>
       </p:ext>
     </p:extLst>
   </p:cSld>
@@ -2267,7 +1692,7 @@
     </p:spTree>
     <p:extLst>
       <p:ext uri="{BB962C8B-B14F-4D97-AF65-F5344CB8AC3E}">
-        <p14:creationId xmlns:p14="http://schemas.microsoft.com/office/powerpoint/2010/main" val="698221037"/>
+        <p14:creationId xmlns:p14="http://schemas.microsoft.com/office/powerpoint/2010/main" val="3140794334"/>
       </p:ext>
     </p:extLst>
   </p:cSld>
@@ -18022,7 +17447,7 @@
             <a:pPr rtl="0"/>
             <a:fld id="{D4EC748F-88DB-4BA1-B6AB-BE1A47757B27}" type="datetime1">
               <a:rPr lang="fr-FR" noProof="0" smtClean="0"/>
-              <a:t>01/12/2020</a:t>
+              <a:t>03/12/2020</a:t>
             </a:fld>
             <a:endParaRPr lang="fr-FR" noProof="0" dirty="0"/>
           </a:p>
@@ -18583,10 +18008,10 @@
       </p:sp>
       <p:pic>
         <p:nvPicPr>
-          <p:cNvPr id="9" name="Espace réservé pour une image  8">
-            <a:extLst>
-              <a:ext uri="{FF2B5EF4-FFF2-40B4-BE49-F238E27FC236}">
-                <a16:creationId xmlns:a16="http://schemas.microsoft.com/office/drawing/2014/main" id="{24F05FC8-82E9-4EAD-833C-C791CFAAF1DE}"/>
+          <p:cNvPr id="8" name="Espace réservé pour une image  7" descr="Une image contenant nid d’abeille&#10;&#10;Description générée automatiquement">
+            <a:extLst>
+              <a:ext uri="{FF2B5EF4-FFF2-40B4-BE49-F238E27FC236}">
+                <a16:creationId xmlns:a16="http://schemas.microsoft.com/office/drawing/2014/main" id="{AC36B9F4-3954-4D8F-AFF8-F48C07E745B3}"/>
               </a:ext>
             </a:extLst>
           </p:cNvPr>
@@ -18599,17 +18024,12 @@
         </p:nvPicPr>
         <p:blipFill>
           <a:blip r:embed="rId3"/>
-          <a:srcRect t="5523" b="5523"/>
+          <a:srcRect l="12088" r="12088"/>
           <a:stretch>
             <a:fillRect/>
           </a:stretch>
         </p:blipFill>
-        <p:spPr>
-          <a:xfrm>
-            <a:off x="710812" y="728545"/>
-            <a:ext cx="5315084" cy="5315084"/>
-          </a:xfrm>
-        </p:spPr>
+        <p:spPr/>
       </p:pic>
     </p:spTree>
     <p:extLst>
@@ -18651,37 +18071,6 @@
           <a:chExt cx="0" cy="0"/>
         </a:xfrm>
       </p:grpSpPr>
-      <p:pic>
-        <p:nvPicPr>
-          <p:cNvPr id="10" name="Espace réservé d’image 9" descr="paysage urbain">
-            <a:extLst>
-              <a:ext uri="{FF2B5EF4-FFF2-40B4-BE49-F238E27FC236}">
-                <a16:creationId xmlns:a16="http://schemas.microsoft.com/office/drawing/2014/main" id="{3A7EDB62-3E60-F44C-AE34-9495623E004A}"/>
-              </a:ext>
-            </a:extLst>
-          </p:cNvPr>
-          <p:cNvPicPr>
-            <a:picLocks noGrp="1" noChangeAspect="1"/>
-          </p:cNvPicPr>
-          <p:nvPr>
-            <p:ph type="pic" sz="quarter" idx="10"/>
-          </p:nvPr>
-        </p:nvPicPr>
-        <p:blipFill>
-          <a:blip r:embed="rId3" cstate="print">
-            <a:extLst>
-              <a:ext uri="{28A0092B-C50C-407E-A947-70E740481C1C}">
-                <a14:useLocalDpi xmlns:a14="http://schemas.microsoft.com/office/drawing/2010/main"/>
-              </a:ext>
-            </a:extLst>
-          </a:blip>
-          <a:srcRect/>
-          <a:stretch>
-            <a:fillRect/>
-          </a:stretch>
-        </p:blipFill>
-        <p:spPr/>
-      </p:pic>
       <p:sp>
         <p:nvSpPr>
           <p:cNvPr id="7" name="Titre 6">
@@ -18869,6 +18258,31 @@
           </a:fontRef>
         </p:style>
       </p:cxnSp>
+      <p:pic>
+        <p:nvPicPr>
+          <p:cNvPr id="5" name="Espace réservé pour une image  4">
+            <a:extLst>
+              <a:ext uri="{FF2B5EF4-FFF2-40B4-BE49-F238E27FC236}">
+                <a16:creationId xmlns:a16="http://schemas.microsoft.com/office/drawing/2014/main" id="{A52DEEBA-7F3A-46DF-8DF2-C738B46864EF}"/>
+              </a:ext>
+            </a:extLst>
+          </p:cNvPr>
+          <p:cNvPicPr>
+            <a:picLocks noGrp="1" noChangeAspect="1"/>
+          </p:cNvPicPr>
+          <p:nvPr>
+            <p:ph type="pic" sz="quarter" idx="10"/>
+          </p:nvPr>
+        </p:nvPicPr>
+        <p:blipFill>
+          <a:blip r:embed="rId3"/>
+          <a:srcRect l="13617" r="13617"/>
+          <a:stretch>
+            <a:fillRect/>
+          </a:stretch>
+        </p:blipFill>
+        <p:spPr/>
+      </p:pic>
     </p:spTree>
     <p:extLst>
       <p:ext uri="{BB962C8B-B14F-4D97-AF65-F5344CB8AC3E}">
@@ -18923,7 +18337,7 @@
             <a:pPr rtl="0"/>
             <a:r>
               <a:rPr lang="fr-FR" dirty="0"/>
-              <a:t>équipe</a:t>
+              <a:t>Plan de la démonstration :</a:t>
             </a:r>
           </a:p>
         </p:txBody>
@@ -18954,6 +18368,868 @@
               <a:rPr lang="fr-FR" smtClean="0"/>
               <a:pPr rtl="0"/>
               <a:t>11</a:t>
+            </a:fld>
+            <a:endParaRPr lang="fr-FR" dirty="0"/>
+          </a:p>
+        </p:txBody>
+      </p:sp>
+      <p:sp>
+        <p:nvSpPr>
+          <p:cNvPr id="9" name="Espace réservé du contenu 8">
+            <a:extLst>
+              <a:ext uri="{FF2B5EF4-FFF2-40B4-BE49-F238E27FC236}">
+                <a16:creationId xmlns:a16="http://schemas.microsoft.com/office/drawing/2014/main" id="{D66C6D21-6780-4D8A-9B6F-582E0BD2DC2E}"/>
+              </a:ext>
+            </a:extLst>
+          </p:cNvPr>
+          <p:cNvSpPr>
+            <a:spLocks noGrp="1"/>
+          </p:cNvSpPr>
+          <p:nvPr>
+            <p:ph idx="17"/>
+          </p:nvPr>
+        </p:nvSpPr>
+        <p:spPr/>
+        <p:txBody>
+          <a:bodyPr rtlCol="0"/>
+          <a:lstStyle/>
+          <a:p>
+            <a:pPr rtl="0"/>
+            <a:r>
+              <a:rPr lang="fr-FR" dirty="0"/>
+              <a:t>Identification</a:t>
+            </a:r>
+          </a:p>
+        </p:txBody>
+      </p:sp>
+      <p:sp>
+        <p:nvSpPr>
+          <p:cNvPr id="11" name="Espace réservé du contenu 10">
+            <a:extLst>
+              <a:ext uri="{FF2B5EF4-FFF2-40B4-BE49-F238E27FC236}">
+                <a16:creationId xmlns:a16="http://schemas.microsoft.com/office/drawing/2014/main" id="{90DE57B2-448D-4C8D-8B9C-FFDDFB0A9208}"/>
+              </a:ext>
+            </a:extLst>
+          </p:cNvPr>
+          <p:cNvSpPr>
+            <a:spLocks noGrp="1"/>
+          </p:cNvSpPr>
+          <p:nvPr>
+            <p:ph idx="19"/>
+          </p:nvPr>
+        </p:nvSpPr>
+        <p:spPr/>
+        <p:txBody>
+          <a:bodyPr rtlCol="0"/>
+          <a:lstStyle/>
+          <a:p>
+            <a:pPr rtl="0"/>
+            <a:r>
+              <a:rPr lang="fr-FR" dirty="0"/>
+              <a:t>Plan de l’IHM</a:t>
+            </a:r>
+          </a:p>
+        </p:txBody>
+      </p:sp>
+      <p:sp>
+        <p:nvSpPr>
+          <p:cNvPr id="13" name="Espace réservé du contenu 12">
+            <a:extLst>
+              <a:ext uri="{FF2B5EF4-FFF2-40B4-BE49-F238E27FC236}">
+                <a16:creationId xmlns:a16="http://schemas.microsoft.com/office/drawing/2014/main" id="{FB9E2175-1C3C-4B3E-A872-A1B7E6D64D52}"/>
+              </a:ext>
+            </a:extLst>
+          </p:cNvPr>
+          <p:cNvSpPr>
+            <a:spLocks noGrp="1"/>
+          </p:cNvSpPr>
+          <p:nvPr>
+            <p:ph idx="21"/>
+          </p:nvPr>
+        </p:nvSpPr>
+        <p:spPr/>
+        <p:txBody>
+          <a:bodyPr rtlCol="0"/>
+          <a:lstStyle/>
+          <a:p>
+            <a:pPr rtl="0"/>
+            <a:r>
+              <a:rPr lang="fr-FR" dirty="0"/>
+              <a:t>Test des fonctionnalités</a:t>
+            </a:r>
+          </a:p>
+        </p:txBody>
+      </p:sp>
+      <p:sp>
+        <p:nvSpPr>
+          <p:cNvPr id="15" name="Espace réservé du contenu 14">
+            <a:extLst>
+              <a:ext uri="{FF2B5EF4-FFF2-40B4-BE49-F238E27FC236}">
+                <a16:creationId xmlns:a16="http://schemas.microsoft.com/office/drawing/2014/main" id="{471C9CF1-70B0-46DB-869F-6DC53668898D}"/>
+              </a:ext>
+            </a:extLst>
+          </p:cNvPr>
+          <p:cNvSpPr>
+            <a:spLocks noGrp="1"/>
+          </p:cNvSpPr>
+          <p:nvPr>
+            <p:ph idx="23"/>
+          </p:nvPr>
+        </p:nvSpPr>
+        <p:spPr/>
+        <p:txBody>
+          <a:bodyPr rtlCol="0"/>
+          <a:lstStyle/>
+          <a:p>
+            <a:pPr rtl="0"/>
+            <a:r>
+              <a:rPr lang="fr-FR" dirty="0"/>
+              <a:t>Statistiques</a:t>
+            </a:r>
+          </a:p>
+        </p:txBody>
+      </p:sp>
+      <p:pic>
+        <p:nvPicPr>
+          <p:cNvPr id="25" name="Graphique 24" descr="Badge d'employé">
+            <a:extLst>
+              <a:ext uri="{FF2B5EF4-FFF2-40B4-BE49-F238E27FC236}">
+                <a16:creationId xmlns:a16="http://schemas.microsoft.com/office/drawing/2014/main" id="{0F7EB72C-6823-48E4-8529-15B26FD0FCBF}"/>
+              </a:ext>
+            </a:extLst>
+          </p:cNvPr>
+          <p:cNvPicPr>
+            <a:picLocks noChangeAspect="1"/>
+          </p:cNvPicPr>
+          <p:nvPr/>
+        </p:nvPicPr>
+        <p:blipFill>
+          <a:blip r:embed="rId3">
+            <a:extLst>
+              <a:ext uri="{96DAC541-7B7A-43D3-8B79-37D633B846F1}">
+                <asvg:svgBlip xmlns:asvg="http://schemas.microsoft.com/office/drawing/2016/SVG/main" r:embed="rId4"/>
+              </a:ext>
+            </a:extLst>
+          </a:blip>
+          <a:stretch>
+            <a:fillRect/>
+          </a:stretch>
+        </p:blipFill>
+        <p:spPr>
+          <a:xfrm>
+            <a:off x="1262993" y="2083415"/>
+            <a:ext cx="1112653" cy="1112653"/>
+          </a:xfrm>
+          <a:prstGeom prst="rect">
+            <a:avLst/>
+          </a:prstGeom>
+        </p:spPr>
+      </p:pic>
+      <p:pic>
+        <p:nvPicPr>
+          <p:cNvPr id="27" name="Graphique 26" descr="Plan">
+            <a:extLst>
+              <a:ext uri="{FF2B5EF4-FFF2-40B4-BE49-F238E27FC236}">
+                <a16:creationId xmlns:a16="http://schemas.microsoft.com/office/drawing/2014/main" id="{6EAB0774-4B1D-456D-98EE-9DC7367536AB}"/>
+              </a:ext>
+            </a:extLst>
+          </p:cNvPr>
+          <p:cNvPicPr>
+            <a:picLocks noChangeAspect="1"/>
+          </p:cNvPicPr>
+          <p:nvPr/>
+        </p:nvPicPr>
+        <p:blipFill>
+          <a:blip r:embed="rId5">
+            <a:extLst>
+              <a:ext uri="{96DAC541-7B7A-43D3-8B79-37D633B846F1}">
+                <asvg:svgBlip xmlns:asvg="http://schemas.microsoft.com/office/drawing/2016/SVG/main" r:embed="rId6"/>
+              </a:ext>
+            </a:extLst>
+          </a:blip>
+          <a:stretch>
+            <a:fillRect/>
+          </a:stretch>
+        </p:blipFill>
+        <p:spPr>
+          <a:xfrm>
+            <a:off x="4165441" y="2102868"/>
+            <a:ext cx="1013527" cy="1013527"/>
+          </a:xfrm>
+          <a:prstGeom prst="rect">
+            <a:avLst/>
+          </a:prstGeom>
+        </p:spPr>
+      </p:pic>
+      <p:pic>
+        <p:nvPicPr>
+          <p:cNvPr id="29" name="Graphique 28">
+            <a:extLst>
+              <a:ext uri="{FF2B5EF4-FFF2-40B4-BE49-F238E27FC236}">
+                <a16:creationId xmlns:a16="http://schemas.microsoft.com/office/drawing/2014/main" id="{5CFB4300-6240-4AEE-982E-B69A34B9BDAB}"/>
+              </a:ext>
+            </a:extLst>
+          </p:cNvPr>
+          <p:cNvPicPr>
+            <a:picLocks noChangeAspect="1"/>
+          </p:cNvPicPr>
+          <p:nvPr/>
+        </p:nvPicPr>
+        <p:blipFill>
+          <a:blip r:embed="rId7">
+            <a:extLst>
+              <a:ext uri="{96DAC541-7B7A-43D3-8B79-37D633B846F1}">
+                <asvg:svgBlip xmlns:asvg="http://schemas.microsoft.com/office/drawing/2016/SVG/main" r:embed="rId8"/>
+              </a:ext>
+            </a:extLst>
+          </a:blip>
+          <a:stretch>
+            <a:fillRect/>
+          </a:stretch>
+        </p:blipFill>
+        <p:spPr>
+          <a:xfrm>
+            <a:off x="7013034" y="2102869"/>
+            <a:ext cx="1013526" cy="1013526"/>
+          </a:xfrm>
+          <a:prstGeom prst="rect">
+            <a:avLst/>
+          </a:prstGeom>
+        </p:spPr>
+      </p:pic>
+      <p:pic>
+        <p:nvPicPr>
+          <p:cNvPr id="31" name="Graphique 30" descr="Statistiques">
+            <a:extLst>
+              <a:ext uri="{FF2B5EF4-FFF2-40B4-BE49-F238E27FC236}">
+                <a16:creationId xmlns:a16="http://schemas.microsoft.com/office/drawing/2014/main" id="{0301B9C3-668C-402D-AE44-1085BF059C3F}"/>
+              </a:ext>
+            </a:extLst>
+          </p:cNvPr>
+          <p:cNvPicPr>
+            <a:picLocks noChangeAspect="1"/>
+          </p:cNvPicPr>
+          <p:nvPr/>
+        </p:nvPicPr>
+        <p:blipFill>
+          <a:blip r:embed="rId9">
+            <a:extLst>
+              <a:ext uri="{96DAC541-7B7A-43D3-8B79-37D633B846F1}">
+                <asvg:svgBlip xmlns:asvg="http://schemas.microsoft.com/office/drawing/2016/SVG/main" r:embed="rId10"/>
+              </a:ext>
+            </a:extLst>
+          </a:blip>
+          <a:stretch>
+            <a:fillRect/>
+          </a:stretch>
+        </p:blipFill>
+        <p:spPr>
+          <a:xfrm>
+            <a:off x="9860626" y="2182541"/>
+            <a:ext cx="1013527" cy="1013527"/>
+          </a:xfrm>
+          <a:prstGeom prst="rect">
+            <a:avLst/>
+          </a:prstGeom>
+        </p:spPr>
+      </p:pic>
+      <p:sp>
+        <p:nvSpPr>
+          <p:cNvPr id="38" name="Flèche : droite 37">
+            <a:extLst>
+              <a:ext uri="{FF2B5EF4-FFF2-40B4-BE49-F238E27FC236}">
+                <a16:creationId xmlns:a16="http://schemas.microsoft.com/office/drawing/2014/main" id="{E2C13D18-FB31-4F3C-894E-690879DA06BE}"/>
+              </a:ext>
+            </a:extLst>
+          </p:cNvPr>
+          <p:cNvSpPr/>
+          <p:nvPr/>
+        </p:nvSpPr>
+        <p:spPr>
+          <a:xfrm>
+            <a:off x="828305" y="4437529"/>
+            <a:ext cx="10535392" cy="495388"/>
+          </a:xfrm>
+          <a:prstGeom prst="rightArrow">
+            <a:avLst/>
+          </a:prstGeom>
+        </p:spPr>
+        <p:style>
+          <a:lnRef idx="2">
+            <a:schemeClr val="accent1">
+              <a:shade val="50000"/>
+            </a:schemeClr>
+          </a:lnRef>
+          <a:fillRef idx="1">
+            <a:schemeClr val="accent1"/>
+          </a:fillRef>
+          <a:effectRef idx="0">
+            <a:schemeClr val="accent1"/>
+          </a:effectRef>
+          <a:fontRef idx="minor">
+            <a:schemeClr val="lt1"/>
+          </a:fontRef>
+        </p:style>
+        <p:txBody>
+          <a:bodyPr rtlCol="0" anchor="ctr"/>
+          <a:lstStyle/>
+          <a:p>
+            <a:pPr algn="ctr"/>
+            <a:endParaRPr lang="fr-FR"/>
+          </a:p>
+        </p:txBody>
+      </p:sp>
+    </p:spTree>
+    <p:extLst>
+      <p:ext uri="{BB962C8B-B14F-4D97-AF65-F5344CB8AC3E}">
+        <p14:creationId xmlns:p14="http://schemas.microsoft.com/office/powerpoint/2010/main" val="1555927931"/>
+      </p:ext>
+    </p:extLst>
+  </p:cSld>
+  <p:clrMapOvr>
+    <a:masterClrMapping/>
+  </p:clrMapOvr>
+</p:sld>
+</file>
+
+<file path=ppt/slides/slide12.xml><?xml version="1.0" encoding="utf-8"?>
+<p:sld xmlns:a="http://schemas.openxmlformats.org/drawingml/2006/main" xmlns:r="http://schemas.openxmlformats.org/officeDocument/2006/relationships" xmlns:p="http://schemas.openxmlformats.org/presentationml/2006/main">
+  <p:cSld>
+    <p:spTree>
+      <p:nvGrpSpPr>
+        <p:cNvPr id="1" name=""/>
+        <p:cNvGrpSpPr/>
+        <p:nvPr/>
+      </p:nvGrpSpPr>
+      <p:grpSpPr>
+        <a:xfrm>
+          <a:off x="0" y="0"/>
+          <a:ext cx="0" cy="0"/>
+          <a:chOff x="0" y="0"/>
+          <a:chExt cx="0" cy="0"/>
+        </a:xfrm>
+      </p:grpSpPr>
+      <p:sp>
+        <p:nvSpPr>
+          <p:cNvPr id="2" name="Titre 1">
+            <a:extLst>
+              <a:ext uri="{FF2B5EF4-FFF2-40B4-BE49-F238E27FC236}">
+                <a16:creationId xmlns:a16="http://schemas.microsoft.com/office/drawing/2014/main" id="{903A9A18-93E0-4615-B7AA-B8C8FBB14464}"/>
+              </a:ext>
+            </a:extLst>
+          </p:cNvPr>
+          <p:cNvSpPr>
+            <a:spLocks noGrp="1"/>
+          </p:cNvSpPr>
+          <p:nvPr>
+            <p:ph type="title"/>
+          </p:nvPr>
+        </p:nvSpPr>
+        <p:spPr>
+          <a:xfrm>
+            <a:off x="0" y="557749"/>
+            <a:ext cx="4937211" cy="1325563"/>
+          </a:xfrm>
+        </p:spPr>
+        <p:txBody>
+          <a:bodyPr rtlCol="0"/>
+          <a:lstStyle/>
+          <a:p>
+            <a:pPr algn="ctr" rtl="0"/>
+            <a:r>
+              <a:rPr lang="fr-FR" dirty="0"/>
+              <a:t>Cahier des test unitaires : </a:t>
+            </a:r>
+            <a:br>
+              <a:rPr lang="fr-FR" dirty="0"/>
+            </a:br>
+            <a:br>
+              <a:rPr lang="fr-FR" dirty="0"/>
+            </a:br>
+            <a:endParaRPr lang="fr-FR" dirty="0"/>
+          </a:p>
+        </p:txBody>
+      </p:sp>
+      <p:pic>
+        <p:nvPicPr>
+          <p:cNvPr id="5" name="Espace réservé du contenu 4">
+            <a:extLst>
+              <a:ext uri="{FF2B5EF4-FFF2-40B4-BE49-F238E27FC236}">
+                <a16:creationId xmlns:a16="http://schemas.microsoft.com/office/drawing/2014/main" id="{F2990DFA-3212-4D68-9DF2-3AC9C16686A8}"/>
+              </a:ext>
+            </a:extLst>
+          </p:cNvPr>
+          <p:cNvPicPr>
+            <a:picLocks noGrp="1" noChangeAspect="1"/>
+          </p:cNvPicPr>
+          <p:nvPr>
+            <p:ph idx="1"/>
+          </p:nvPr>
+        </p:nvPicPr>
+        <p:blipFill>
+          <a:blip r:embed="rId3"/>
+          <a:stretch>
+            <a:fillRect/>
+          </a:stretch>
+        </p:blipFill>
+        <p:spPr>
+          <a:xfrm>
+            <a:off x="4747982" y="557749"/>
+            <a:ext cx="6099312" cy="5897989"/>
+          </a:xfrm>
+          <a:prstGeom prst="rect">
+            <a:avLst/>
+          </a:prstGeom>
+        </p:spPr>
+      </p:pic>
+      <p:sp>
+        <p:nvSpPr>
+          <p:cNvPr id="4" name="Espace réservé du numéro de diapositive 3">
+            <a:extLst>
+              <a:ext uri="{FF2B5EF4-FFF2-40B4-BE49-F238E27FC236}">
+                <a16:creationId xmlns:a16="http://schemas.microsoft.com/office/drawing/2014/main" id="{0BDDBFEE-BC50-46CF-AB8F-D145B99B57A6}"/>
+              </a:ext>
+            </a:extLst>
+          </p:cNvPr>
+          <p:cNvSpPr>
+            <a:spLocks noGrp="1"/>
+          </p:cNvSpPr>
+          <p:nvPr>
+            <p:ph type="sldNum" sz="quarter" idx="12"/>
+          </p:nvPr>
+        </p:nvSpPr>
+        <p:spPr/>
+        <p:txBody>
+          <a:bodyPr rtlCol="0"/>
+          <a:lstStyle/>
+          <a:p>
+            <a:pPr rtl="0"/>
+            <a:fld id="{9EC71654-96A5-4280-94F3-931C61A9F92C}" type="slidenum">
+              <a:rPr lang="fr-FR" smtClean="0"/>
+              <a:pPr rtl="0"/>
+              <a:t>12</a:t>
+            </a:fld>
+            <a:endParaRPr lang="fr-FR" dirty="0"/>
+          </a:p>
+        </p:txBody>
+      </p:sp>
+      <p:sp>
+        <p:nvSpPr>
+          <p:cNvPr id="10" name="Rectangle 9">
+            <a:extLst>
+              <a:ext uri="{FF2B5EF4-FFF2-40B4-BE49-F238E27FC236}">
+                <a16:creationId xmlns:a16="http://schemas.microsoft.com/office/drawing/2014/main" id="{BA2AFC27-9AB1-4593-9171-41678F67C73E}"/>
+              </a:ext>
+            </a:extLst>
+          </p:cNvPr>
+          <p:cNvSpPr/>
+          <p:nvPr/>
+        </p:nvSpPr>
+        <p:spPr>
+          <a:xfrm>
+            <a:off x="0" y="6231621"/>
+            <a:ext cx="2093519" cy="448235"/>
+          </a:xfrm>
+          <a:prstGeom prst="rect">
+            <a:avLst/>
+          </a:prstGeom>
+          <a:solidFill>
+            <a:schemeClr val="bg1"/>
+          </a:solidFill>
+          <a:ln>
+            <a:noFill/>
+          </a:ln>
+        </p:spPr>
+        <p:style>
+          <a:lnRef idx="2">
+            <a:schemeClr val="accent1">
+              <a:shade val="50000"/>
+            </a:schemeClr>
+          </a:lnRef>
+          <a:fillRef idx="1">
+            <a:schemeClr val="accent1"/>
+          </a:fillRef>
+          <a:effectRef idx="0">
+            <a:schemeClr val="accent1"/>
+          </a:effectRef>
+          <a:fontRef idx="minor">
+            <a:schemeClr val="lt1"/>
+          </a:fontRef>
+        </p:style>
+        <p:txBody>
+          <a:bodyPr rtlCol="0" anchor="ctr"/>
+          <a:lstStyle/>
+          <a:p>
+            <a:pPr algn="ctr"/>
+            <a:endParaRPr lang="fr-FR"/>
+          </a:p>
+        </p:txBody>
+      </p:sp>
+      <p:pic>
+        <p:nvPicPr>
+          <p:cNvPr id="12" name="Graphique 11" descr="Liste">
+            <a:extLst>
+              <a:ext uri="{FF2B5EF4-FFF2-40B4-BE49-F238E27FC236}">
+                <a16:creationId xmlns:a16="http://schemas.microsoft.com/office/drawing/2014/main" id="{812FF07A-FD7C-462E-A2D5-A8EDCC0F5A48}"/>
+              </a:ext>
+            </a:extLst>
+          </p:cNvPr>
+          <p:cNvPicPr>
+            <a:picLocks noChangeAspect="1"/>
+          </p:cNvPicPr>
+          <p:nvPr/>
+        </p:nvPicPr>
+        <p:blipFill>
+          <a:blip r:embed="rId4">
+            <a:extLst>
+              <a:ext uri="{96DAC541-7B7A-43D3-8B79-37D633B846F1}">
+                <asvg:svgBlip xmlns:asvg="http://schemas.microsoft.com/office/drawing/2016/SVG/main" r:embed="rId5"/>
+              </a:ext>
+            </a:extLst>
+          </a:blip>
+          <a:stretch>
+            <a:fillRect/>
+          </a:stretch>
+        </p:blipFill>
+        <p:spPr>
+          <a:xfrm>
+            <a:off x="2011405" y="1426112"/>
+            <a:ext cx="914400" cy="914400"/>
+          </a:xfrm>
+          <a:prstGeom prst="rect">
+            <a:avLst/>
+          </a:prstGeom>
+        </p:spPr>
+      </p:pic>
+      <p:sp>
+        <p:nvSpPr>
+          <p:cNvPr id="13" name="ZoneTexte 12">
+            <a:extLst>
+              <a:ext uri="{FF2B5EF4-FFF2-40B4-BE49-F238E27FC236}">
+                <a16:creationId xmlns:a16="http://schemas.microsoft.com/office/drawing/2014/main" id="{BFD18EB0-EC48-4C35-A2F1-28F18B527DF4}"/>
+              </a:ext>
+            </a:extLst>
+          </p:cNvPr>
+          <p:cNvSpPr txBox="1"/>
+          <p:nvPr/>
+        </p:nvSpPr>
+        <p:spPr>
+          <a:xfrm>
+            <a:off x="596073" y="2382343"/>
+            <a:ext cx="3745064" cy="369332"/>
+          </a:xfrm>
+          <a:prstGeom prst="rect">
+            <a:avLst/>
+          </a:prstGeom>
+          <a:noFill/>
+        </p:spPr>
+        <p:txBody>
+          <a:bodyPr wrap="none" rtlCol="0">
+            <a:spAutoFit/>
+          </a:bodyPr>
+          <a:lstStyle/>
+          <a:p>
+            <a:r>
+              <a:rPr lang="fr-FR" dirty="0"/>
+              <a:t>(Documentation complète disponible)</a:t>
+            </a:r>
+          </a:p>
+        </p:txBody>
+      </p:sp>
+    </p:spTree>
+    <p:extLst>
+      <p:ext uri="{BB962C8B-B14F-4D97-AF65-F5344CB8AC3E}">
+        <p14:creationId xmlns:p14="http://schemas.microsoft.com/office/powerpoint/2010/main" val="221603086"/>
+      </p:ext>
+    </p:extLst>
+  </p:cSld>
+  <p:clrMapOvr>
+    <a:masterClrMapping/>
+  </p:clrMapOvr>
+</p:sld>
+</file>
+
+<file path=ppt/slides/slide13.xml><?xml version="1.0" encoding="utf-8"?>
+<p:sld xmlns:a="http://schemas.openxmlformats.org/drawingml/2006/main" xmlns:r="http://schemas.openxmlformats.org/officeDocument/2006/relationships" xmlns:p="http://schemas.openxmlformats.org/presentationml/2006/main">
+  <p:cSld>
+    <p:spTree>
+      <p:nvGrpSpPr>
+        <p:cNvPr id="1" name=""/>
+        <p:cNvGrpSpPr/>
+        <p:nvPr/>
+      </p:nvGrpSpPr>
+      <p:grpSpPr>
+        <a:xfrm>
+          <a:off x="0" y="0"/>
+          <a:ext cx="0" cy="0"/>
+          <a:chOff x="0" y="0"/>
+          <a:chExt cx="0" cy="0"/>
+        </a:xfrm>
+      </p:grpSpPr>
+      <p:sp>
+        <p:nvSpPr>
+          <p:cNvPr id="8" name="Zone de texte 7">
+            <a:hlinkClick r:id="rId3"/>
+            <a:extLst>
+              <a:ext uri="{FF2B5EF4-FFF2-40B4-BE49-F238E27FC236}">
+                <a16:creationId xmlns:a16="http://schemas.microsoft.com/office/drawing/2014/main" id="{5FC6C278-4035-446A-A94B-030E792FDDF5}"/>
+              </a:ext>
+            </a:extLst>
+          </p:cNvPr>
+          <p:cNvSpPr txBox="1"/>
+          <p:nvPr/>
+        </p:nvSpPr>
+        <p:spPr>
+          <a:xfrm>
+            <a:off x="5191124" y="3661907"/>
+            <a:ext cx="9096374" cy="769441"/>
+          </a:xfrm>
+          <a:prstGeom prst="rect">
+            <a:avLst/>
+          </a:prstGeom>
+          <a:noFill/>
+        </p:spPr>
+        <p:txBody>
+          <a:bodyPr wrap="square" rtlCol="0">
+            <a:spAutoFit/>
+          </a:bodyPr>
+          <a:lstStyle/>
+          <a:p>
+            <a:pPr algn="ctr" rtl="0"/>
+            <a:r>
+              <a:rPr lang="fr-FR" sz="4400" u="sng" dirty="0">
+                <a:solidFill>
+                  <a:srgbClr val="0070C0"/>
+                </a:solidFill>
+              </a:rPr>
+              <a:t>Question</a:t>
+            </a:r>
+          </a:p>
+        </p:txBody>
+      </p:sp>
+      <p:sp>
+        <p:nvSpPr>
+          <p:cNvPr id="2" name="Espace réservé du numéro de diapositive 1">
+            <a:extLst>
+              <a:ext uri="{FF2B5EF4-FFF2-40B4-BE49-F238E27FC236}">
+                <a16:creationId xmlns:a16="http://schemas.microsoft.com/office/drawing/2014/main" id="{E668D7CE-0756-4C36-B665-7BEB4733EF8A}"/>
+              </a:ext>
+            </a:extLst>
+          </p:cNvPr>
+          <p:cNvSpPr>
+            <a:spLocks noGrp="1"/>
+          </p:cNvSpPr>
+          <p:nvPr>
+            <p:ph type="sldNum" sz="quarter" idx="12"/>
+          </p:nvPr>
+        </p:nvSpPr>
+        <p:spPr/>
+        <p:txBody>
+          <a:bodyPr rtlCol="0"/>
+          <a:lstStyle/>
+          <a:p>
+            <a:pPr rtl="0"/>
+            <a:fld id="{9EC71654-96A5-4280-94F3-931C61A9F92C}" type="slidenum">
+              <a:rPr lang="fr-FR" smtClean="0"/>
+              <a:pPr rtl="0"/>
+              <a:t>13</a:t>
+            </a:fld>
+            <a:endParaRPr lang="fr-FR" dirty="0"/>
+          </a:p>
+        </p:txBody>
+      </p:sp>
+      <p:pic>
+        <p:nvPicPr>
+          <p:cNvPr id="5" name="Image 4">
+            <a:extLst>
+              <a:ext uri="{FF2B5EF4-FFF2-40B4-BE49-F238E27FC236}">
+                <a16:creationId xmlns:a16="http://schemas.microsoft.com/office/drawing/2014/main" id="{43C07846-C8D7-4402-92DB-6EB58599B001}"/>
+              </a:ext>
+            </a:extLst>
+          </p:cNvPr>
+          <p:cNvPicPr>
+            <a:picLocks noChangeAspect="1"/>
+          </p:cNvPicPr>
+          <p:nvPr/>
+        </p:nvPicPr>
+        <p:blipFill>
+          <a:blip r:embed="rId4"/>
+          <a:stretch>
+            <a:fillRect/>
+          </a:stretch>
+        </p:blipFill>
+        <p:spPr>
+          <a:xfrm>
+            <a:off x="757238" y="2093289"/>
+            <a:ext cx="6457950" cy="3733800"/>
+          </a:xfrm>
+          <a:prstGeom prst="rect">
+            <a:avLst/>
+          </a:prstGeom>
+        </p:spPr>
+      </p:pic>
+      <p:sp>
+        <p:nvSpPr>
+          <p:cNvPr id="7" name="Zone de texte 7">
+            <a:hlinkClick r:id="rId3"/>
+            <a:extLst>
+              <a:ext uri="{FF2B5EF4-FFF2-40B4-BE49-F238E27FC236}">
+                <a16:creationId xmlns:a16="http://schemas.microsoft.com/office/drawing/2014/main" id="{319E5A97-7FF0-48B1-BD35-94A5ECB5F3F7}"/>
+              </a:ext>
+            </a:extLst>
+          </p:cNvPr>
+          <p:cNvSpPr txBox="1"/>
+          <p:nvPr/>
+        </p:nvSpPr>
+        <p:spPr>
+          <a:xfrm>
+            <a:off x="-214312" y="897404"/>
+            <a:ext cx="9096374" cy="1015663"/>
+          </a:xfrm>
+          <a:prstGeom prst="rect">
+            <a:avLst/>
+          </a:prstGeom>
+          <a:noFill/>
+        </p:spPr>
+        <p:txBody>
+          <a:bodyPr wrap="square" rtlCol="0">
+            <a:spAutoFit/>
+          </a:bodyPr>
+          <a:lstStyle/>
+          <a:p>
+            <a:pPr algn="ctr" rtl="0"/>
+            <a:r>
+              <a:rPr lang="fr-FR" sz="6000" u="sng" dirty="0">
+                <a:solidFill>
+                  <a:srgbClr val="0070C0"/>
+                </a:solidFill>
+              </a:rPr>
+              <a:t>Merci !</a:t>
+            </a:r>
+          </a:p>
+        </p:txBody>
+      </p:sp>
+      <p:pic>
+        <p:nvPicPr>
+          <p:cNvPr id="9" name="Graphique 8" descr="Badge point d’interrogation">
+            <a:extLst>
+              <a:ext uri="{FF2B5EF4-FFF2-40B4-BE49-F238E27FC236}">
+                <a16:creationId xmlns:a16="http://schemas.microsoft.com/office/drawing/2014/main" id="{CA365A3D-2458-47D9-AE3A-4A30C7161189}"/>
+              </a:ext>
+            </a:extLst>
+          </p:cNvPr>
+          <p:cNvPicPr>
+            <a:picLocks noChangeAspect="1"/>
+          </p:cNvPicPr>
+          <p:nvPr/>
+        </p:nvPicPr>
+        <p:blipFill>
+          <a:blip r:embed="rId5">
+            <a:extLst>
+              <a:ext uri="{96DAC541-7B7A-43D3-8B79-37D633B846F1}">
+                <asvg:svgBlip xmlns:asvg="http://schemas.microsoft.com/office/drawing/2016/SVG/main" r:embed="rId6"/>
+              </a:ext>
+            </a:extLst>
+          </a:blip>
+          <a:stretch>
+            <a:fillRect/>
+          </a:stretch>
+        </p:blipFill>
+        <p:spPr>
+          <a:xfrm>
+            <a:off x="9134473" y="4617414"/>
+            <a:ext cx="1209675" cy="1209675"/>
+          </a:xfrm>
+          <a:prstGeom prst="rect">
+            <a:avLst/>
+          </a:prstGeom>
+        </p:spPr>
+      </p:pic>
+    </p:spTree>
+    <p:extLst>
+      <p:ext uri="{BB962C8B-B14F-4D97-AF65-F5344CB8AC3E}">
+        <p14:creationId xmlns:p14="http://schemas.microsoft.com/office/powerpoint/2010/main" val="59582380"/>
+      </p:ext>
+    </p:extLst>
+  </p:cSld>
+  <p:clrMapOvr>
+    <a:masterClrMapping/>
+  </p:clrMapOvr>
+</p:sld>
+</file>
+
+<file path=ppt/slides/slide14.xml><?xml version="1.0" encoding="utf-8"?>
+<p:sld xmlns:a="http://schemas.openxmlformats.org/drawingml/2006/main" xmlns:r="http://schemas.openxmlformats.org/officeDocument/2006/relationships" xmlns:p="http://schemas.openxmlformats.org/presentationml/2006/main">
+  <p:cSld>
+    <p:spTree>
+      <p:nvGrpSpPr>
+        <p:cNvPr id="1" name=""/>
+        <p:cNvGrpSpPr/>
+        <p:nvPr/>
+      </p:nvGrpSpPr>
+      <p:grpSpPr>
+        <a:xfrm>
+          <a:off x="0" y="0"/>
+          <a:ext cx="0" cy="0"/>
+          <a:chOff x="0" y="0"/>
+          <a:chExt cx="0" cy="0"/>
+        </a:xfrm>
+      </p:grpSpPr>
+      <p:sp>
+        <p:nvSpPr>
+          <p:cNvPr id="2" name="Titre 1">
+            <a:extLst>
+              <a:ext uri="{FF2B5EF4-FFF2-40B4-BE49-F238E27FC236}">
+                <a16:creationId xmlns:a16="http://schemas.microsoft.com/office/drawing/2014/main" id="{8FBFCA16-8D78-4A87-9023-708458E3A4F3}"/>
+              </a:ext>
+            </a:extLst>
+          </p:cNvPr>
+          <p:cNvSpPr>
+            <a:spLocks noGrp="1"/>
+          </p:cNvSpPr>
+          <p:nvPr>
+            <p:ph type="title"/>
+          </p:nvPr>
+        </p:nvSpPr>
+        <p:spPr/>
+        <p:txBody>
+          <a:bodyPr rtlCol="0"/>
+          <a:lstStyle/>
+          <a:p>
+            <a:pPr rtl="0"/>
+            <a:r>
+              <a:rPr lang="fr-FR" dirty="0"/>
+              <a:t>équipe</a:t>
+            </a:r>
+          </a:p>
+        </p:txBody>
+      </p:sp>
+      <p:sp>
+        <p:nvSpPr>
+          <p:cNvPr id="3" name="Espace réservé du numéro de diapositive 2">
+            <a:extLst>
+              <a:ext uri="{FF2B5EF4-FFF2-40B4-BE49-F238E27FC236}">
+                <a16:creationId xmlns:a16="http://schemas.microsoft.com/office/drawing/2014/main" id="{C10F7B49-6C9D-4DBF-AD20-9D4CFAB1CBFD}"/>
+              </a:ext>
+            </a:extLst>
+          </p:cNvPr>
+          <p:cNvSpPr>
+            <a:spLocks noGrp="1"/>
+          </p:cNvSpPr>
+          <p:nvPr>
+            <p:ph type="sldNum" sz="quarter" idx="12"/>
+          </p:nvPr>
+        </p:nvSpPr>
+        <p:spPr/>
+        <p:txBody>
+          <a:bodyPr rtlCol="0"/>
+          <a:lstStyle/>
+          <a:p>
+            <a:pPr rtl="0"/>
+            <a:fld id="{9EC71654-96A5-4280-94F3-931C61A9F92C}" type="slidenum">
+              <a:rPr lang="fr-FR" smtClean="0"/>
+              <a:pPr rtl="0"/>
+              <a:t>14</a:t>
             </a:fld>
             <a:endParaRPr lang="fr-FR" dirty="0"/>
           </a:p>
@@ -19268,7 +19544,7 @@
             </a:r>
             <a:r>
               <a:rPr lang="fr-FR" dirty="0" err="1"/>
-              <a:t>fevre</a:t>
+              <a:t>fèvre</a:t>
             </a:r>
             <a:endParaRPr lang="fr-FR" dirty="0"/>
           </a:p>
@@ -19348,13 +19624,8 @@
             <a:pPr rtl="0"/>
             <a:r>
               <a:rPr lang="fr-FR" dirty="0"/>
-              <a:t>Nossair </a:t>
+              <a:t>Nossair Mouad</a:t>
             </a:r>
-            <a:r>
-              <a:rPr lang="fr-FR" dirty="0" err="1"/>
-              <a:t>Mouadd</a:t>
-            </a:r>
-            <a:endParaRPr lang="fr-FR" dirty="0"/>
           </a:p>
         </p:txBody>
       </p:sp>
@@ -19362,299 +19633,6 @@
     <p:extLst>
       <p:ext uri="{BB962C8B-B14F-4D97-AF65-F5344CB8AC3E}">
         <p14:creationId xmlns:p14="http://schemas.microsoft.com/office/powerpoint/2010/main" val="435634487"/>
-      </p:ext>
-    </p:extLst>
-  </p:cSld>
-  <p:clrMapOvr>
-    <a:masterClrMapping/>
-  </p:clrMapOvr>
-</p:sld>
-</file>
-
-<file path=ppt/slides/slide12.xml><?xml version="1.0" encoding="utf-8"?>
-<p:sld xmlns:a="http://schemas.openxmlformats.org/drawingml/2006/main" xmlns:r="http://schemas.openxmlformats.org/officeDocument/2006/relationships" xmlns:p="http://schemas.openxmlformats.org/presentationml/2006/main">
-  <p:cSld>
-    <p:spTree>
-      <p:nvGrpSpPr>
-        <p:cNvPr id="1" name=""/>
-        <p:cNvGrpSpPr/>
-        <p:nvPr/>
-      </p:nvGrpSpPr>
-      <p:grpSpPr>
-        <a:xfrm>
-          <a:off x="0" y="0"/>
-          <a:ext cx="0" cy="0"/>
-          <a:chOff x="0" y="0"/>
-          <a:chExt cx="0" cy="0"/>
-        </a:xfrm>
-      </p:grpSpPr>
-      <p:pic>
-        <p:nvPicPr>
-          <p:cNvPr id="9" name="Espace réservé d’image 9" descr="paysage urbain">
-            <a:extLst>
-              <a:ext uri="{FF2B5EF4-FFF2-40B4-BE49-F238E27FC236}">
-                <a16:creationId xmlns:a16="http://schemas.microsoft.com/office/drawing/2014/main" id="{63493B9E-F6F8-4C0F-9706-CA547A8B2B3F}"/>
-              </a:ext>
-            </a:extLst>
-          </p:cNvPr>
-          <p:cNvPicPr>
-            <a:picLocks noGrp="1" noChangeAspect="1"/>
-          </p:cNvPicPr>
-          <p:nvPr>
-            <p:ph type="pic" sz="quarter" idx="10"/>
-          </p:nvPr>
-        </p:nvPicPr>
-        <p:blipFill>
-          <a:blip r:embed="rId3" cstate="print">
-            <a:extLst>
-              <a:ext uri="{28A0092B-C50C-407E-A947-70E740481C1C}">
-                <a14:useLocalDpi xmlns:a14="http://schemas.microsoft.com/office/drawing/2010/main"/>
-              </a:ext>
-            </a:extLst>
-          </a:blip>
-          <a:srcRect t="39" b="39"/>
-          <a:stretch>
-            <a:fillRect/>
-          </a:stretch>
-        </p:blipFill>
-        <p:spPr/>
-      </p:pic>
-      <p:sp>
-        <p:nvSpPr>
-          <p:cNvPr id="5" name="Sous-titre 4">
-            <a:extLst>
-              <a:ext uri="{FF2B5EF4-FFF2-40B4-BE49-F238E27FC236}">
-                <a16:creationId xmlns:a16="http://schemas.microsoft.com/office/drawing/2014/main" id="{E3C40962-BA6A-43E4-97BA-511A9B90CF41}"/>
-              </a:ext>
-            </a:extLst>
-          </p:cNvPr>
-          <p:cNvSpPr>
-            <a:spLocks noGrp="1"/>
-          </p:cNvSpPr>
-          <p:nvPr>
-            <p:ph type="subTitle" idx="1"/>
-          </p:nvPr>
-        </p:nvSpPr>
-        <p:spPr/>
-        <p:txBody>
-          <a:bodyPr rtlCol="0"/>
-          <a:lstStyle/>
-          <a:p>
-            <a:pPr rtl="0"/>
-            <a:r>
-              <a:rPr lang="fr-FR" dirty="0"/>
-              <a:t>Flora@contoso.com</a:t>
-            </a:r>
-          </a:p>
-        </p:txBody>
-      </p:sp>
-      <p:sp>
-        <p:nvSpPr>
-          <p:cNvPr id="7" name="Espace réservé du texte 6">
-            <a:extLst>
-              <a:ext uri="{FF2B5EF4-FFF2-40B4-BE49-F238E27FC236}">
-                <a16:creationId xmlns:a16="http://schemas.microsoft.com/office/drawing/2014/main" id="{11FDFFBF-E125-47CF-AAE0-ACC45013CE38}"/>
-              </a:ext>
-            </a:extLst>
-          </p:cNvPr>
-          <p:cNvSpPr>
-            <a:spLocks noGrp="1"/>
-          </p:cNvSpPr>
-          <p:nvPr>
-            <p:ph type="body" sz="quarter" idx="11"/>
-          </p:nvPr>
-        </p:nvSpPr>
-        <p:spPr/>
-        <p:txBody>
-          <a:bodyPr rtlCol="0"/>
-          <a:lstStyle/>
-          <a:p>
-            <a:pPr rtl="0"/>
-            <a:r>
-              <a:rPr lang="fr-FR" dirty="0"/>
-              <a:t>http://www.contoso.com/</a:t>
-            </a:r>
-          </a:p>
-        </p:txBody>
-      </p:sp>
-      <p:sp>
-        <p:nvSpPr>
-          <p:cNvPr id="6" name="Titre 5">
-            <a:extLst>
-              <a:ext uri="{FF2B5EF4-FFF2-40B4-BE49-F238E27FC236}">
-                <a16:creationId xmlns:a16="http://schemas.microsoft.com/office/drawing/2014/main" id="{95D612B9-68B9-4C9F-98FE-CEE07DB1F00D}"/>
-              </a:ext>
-            </a:extLst>
-          </p:cNvPr>
-          <p:cNvSpPr>
-            <a:spLocks noGrp="1"/>
-          </p:cNvSpPr>
-          <p:nvPr>
-            <p:ph type="title"/>
-          </p:nvPr>
-        </p:nvSpPr>
-        <p:spPr/>
-        <p:txBody>
-          <a:bodyPr rtlCol="0"/>
-          <a:lstStyle/>
-          <a:p>
-            <a:pPr rtl="0"/>
-            <a:r>
-              <a:rPr lang="fr-FR" dirty="0"/>
-              <a:t>Merci</a:t>
-            </a:r>
-          </a:p>
-        </p:txBody>
-      </p:sp>
-    </p:spTree>
-    <p:extLst>
-      <p:ext uri="{BB962C8B-B14F-4D97-AF65-F5344CB8AC3E}">
-        <p14:creationId xmlns:p14="http://schemas.microsoft.com/office/powerpoint/2010/main" val="1124779538"/>
-      </p:ext>
-    </p:extLst>
-  </p:cSld>
-  <p:clrMapOvr>
-    <a:masterClrMapping/>
-  </p:clrMapOvr>
-</p:sld>
-</file>
-
-<file path=ppt/slides/slide13.xml><?xml version="1.0" encoding="utf-8"?>
-<p:sld xmlns:a="http://schemas.openxmlformats.org/drawingml/2006/main" xmlns:r="http://schemas.openxmlformats.org/officeDocument/2006/relationships" xmlns:p="http://schemas.openxmlformats.org/presentationml/2006/main">
-  <p:cSld>
-    <p:spTree>
-      <p:nvGrpSpPr>
-        <p:cNvPr id="1" name=""/>
-        <p:cNvGrpSpPr/>
-        <p:nvPr/>
-      </p:nvGrpSpPr>
-      <p:grpSpPr>
-        <a:xfrm>
-          <a:off x="0" y="0"/>
-          <a:ext cx="0" cy="0"/>
-          <a:chOff x="0" y="0"/>
-          <a:chExt cx="0" cy="0"/>
-        </a:xfrm>
-      </p:grpSpPr>
-      <p:sp>
-        <p:nvSpPr>
-          <p:cNvPr id="4" name="Titre 3">
-            <a:extLst>
-              <a:ext uri="{FF2B5EF4-FFF2-40B4-BE49-F238E27FC236}">
-                <a16:creationId xmlns:a16="http://schemas.microsoft.com/office/drawing/2014/main" id="{E98DCA46-603B-4178-8707-30E192CE6B8D}"/>
-              </a:ext>
-            </a:extLst>
-          </p:cNvPr>
-          <p:cNvSpPr>
-            <a:spLocks noGrp="1"/>
-          </p:cNvSpPr>
-          <p:nvPr>
-            <p:ph type="title"/>
-          </p:nvPr>
-        </p:nvSpPr>
-        <p:spPr/>
-        <p:txBody>
-          <a:bodyPr rtlCol="0"/>
-          <a:lstStyle/>
-          <a:p>
-            <a:pPr rtl="0"/>
-            <a:r>
-              <a:rPr lang="fr-FR" dirty="0"/>
-              <a:t>Personnaliser</a:t>
-            </a:r>
-            <a:r>
-              <a:rPr lang="fr-FR" i="1" dirty="0"/>
-              <a:t> </a:t>
-            </a:r>
-            <a:r>
-              <a:rPr lang="fr-FR" dirty="0"/>
-              <a:t>ce modèle</a:t>
-            </a:r>
-          </a:p>
-        </p:txBody>
-      </p:sp>
-      <p:sp>
-        <p:nvSpPr>
-          <p:cNvPr id="8" name="Zone de texte 7">
-            <a:hlinkClick r:id="rId3"/>
-            <a:extLst>
-              <a:ext uri="{FF2B5EF4-FFF2-40B4-BE49-F238E27FC236}">
-                <a16:creationId xmlns:a16="http://schemas.microsoft.com/office/drawing/2014/main" id="{5FC6C278-4035-446A-A94B-030E792FDDF5}"/>
-              </a:ext>
-            </a:extLst>
-          </p:cNvPr>
-          <p:cNvSpPr txBox="1"/>
-          <p:nvPr/>
-        </p:nvSpPr>
-        <p:spPr>
-          <a:xfrm>
-            <a:off x="1547813" y="2459504"/>
-            <a:ext cx="9096374" cy="2862322"/>
-          </a:xfrm>
-          <a:prstGeom prst="rect">
-            <a:avLst/>
-          </a:prstGeom>
-          <a:noFill/>
-        </p:spPr>
-        <p:txBody>
-          <a:bodyPr wrap="square" rtlCol="0">
-            <a:spAutoFit/>
-          </a:bodyPr>
-          <a:lstStyle/>
-          <a:p>
-            <a:pPr algn="ctr" rtl="0"/>
-            <a:r>
-              <a:rPr lang="fr-FR" sz="6000" u="sng" dirty="0">
-                <a:solidFill>
-                  <a:srgbClr val="0070C0"/>
-                </a:solidFill>
-                <a:hlinkClick r:id="rId3"/>
-              </a:rPr>
-              <a:t>Instructions en matière de modification du modèle et commentaires</a:t>
-            </a:r>
-            <a:endParaRPr lang="fr-FR" sz="6000" u="sng" dirty="0">
-              <a:solidFill>
-                <a:srgbClr val="0070C0"/>
-              </a:solidFill>
-            </a:endParaRPr>
-          </a:p>
-        </p:txBody>
-      </p:sp>
-      <p:sp>
-        <p:nvSpPr>
-          <p:cNvPr id="2" name="Espace réservé du numéro de diapositive 1">
-            <a:extLst>
-              <a:ext uri="{FF2B5EF4-FFF2-40B4-BE49-F238E27FC236}">
-                <a16:creationId xmlns:a16="http://schemas.microsoft.com/office/drawing/2014/main" id="{E668D7CE-0756-4C36-B665-7BEB4733EF8A}"/>
-              </a:ext>
-            </a:extLst>
-          </p:cNvPr>
-          <p:cNvSpPr>
-            <a:spLocks noGrp="1"/>
-          </p:cNvSpPr>
-          <p:nvPr>
-            <p:ph type="sldNum" sz="quarter" idx="12"/>
-          </p:nvPr>
-        </p:nvSpPr>
-        <p:spPr/>
-        <p:txBody>
-          <a:bodyPr rtlCol="0"/>
-          <a:lstStyle/>
-          <a:p>
-            <a:pPr rtl="0"/>
-            <a:fld id="{9EC71654-96A5-4280-94F3-931C61A9F92C}" type="slidenum">
-              <a:rPr lang="fr-FR" smtClean="0"/>
-              <a:pPr rtl="0"/>
-              <a:t>13</a:t>
-            </a:fld>
-            <a:endParaRPr lang="fr-FR" dirty="0"/>
-          </a:p>
-        </p:txBody>
-      </p:sp>
-    </p:spTree>
-    <p:extLst>
-      <p:ext uri="{BB962C8B-B14F-4D97-AF65-F5344CB8AC3E}">
-        <p14:creationId xmlns:p14="http://schemas.microsoft.com/office/powerpoint/2010/main" val="59582380"/>
       </p:ext>
     </p:extLst>
   </p:cSld>
@@ -21321,6 +21299,18 @@
             </a:r>
           </a:p>
           <a:p>
+            <a:r>
+              <a:rPr lang="fr-FR" sz="2000" dirty="0">
+                <a:hlinkClick r:id="rId5"/>
+              </a:rPr>
+              <a:t>https://github.com/Skane-Gahi/POO_Project</a:t>
+            </a:r>
+            <a:r>
+              <a:rPr lang="fr-FR" sz="2000" dirty="0"/>
+              <a:t> </a:t>
+            </a:r>
+          </a:p>
+          <a:p>
             <a:endParaRPr lang="fr-FR" sz="1400" dirty="0"/>
           </a:p>
           <a:p>
@@ -21345,7 +21335,7 @@
           </p:nvPr>
         </p:nvPicPr>
         <p:blipFill>
-          <a:blip r:embed="rId5"/>
+          <a:blip r:embed="rId6"/>
           <a:srcRect l="15793" r="15793"/>
           <a:stretch>
             <a:fillRect/>
@@ -21839,7 +21829,13 @@
       </p:grpSpPr>
       <p:sp>
         <p:nvSpPr>
-          <p:cNvPr id="7" name="Titre 1"/>
+          <p:cNvPr id="2" name="Titre 1">
+            <a:extLst>
+              <a:ext uri="{FF2B5EF4-FFF2-40B4-BE49-F238E27FC236}">
+                <a16:creationId xmlns:a16="http://schemas.microsoft.com/office/drawing/2014/main" id="{4332B532-EB3E-428B-9224-EFA237D16A73}"/>
+              </a:ext>
+            </a:extLst>
+          </p:cNvPr>
           <p:cNvSpPr>
             <a:spLocks noGrp="1"/>
           </p:cNvSpPr>
@@ -21847,12 +21843,7 @@
             <p:ph type="title"/>
           </p:nvPr>
         </p:nvSpPr>
-        <p:spPr>
-          <a:xfrm>
-            <a:off x="360326" y="129170"/>
-            <a:ext cx="11150600" cy="920336"/>
-          </a:xfrm>
-        </p:spPr>
+        <p:spPr/>
         <p:txBody>
           <a:bodyPr rtlCol="0"/>
           <a:lstStyle/>
@@ -21860,14 +21851,20 @@
             <a:pPr rtl="0"/>
             <a:r>
               <a:rPr lang="fr-FR" dirty="0"/>
-              <a:t>Dictionnaire de données :</a:t>
+              <a:t>Diagrammes de séquences et de classes :</a:t>
             </a:r>
           </a:p>
         </p:txBody>
       </p:sp>
       <p:sp>
         <p:nvSpPr>
-          <p:cNvPr id="4" name="Espace réservé du numéro de diapositive 3"/>
+          <p:cNvPr id="3" name="Espace réservé du numéro de diapositive 2">
+            <a:extLst>
+              <a:ext uri="{FF2B5EF4-FFF2-40B4-BE49-F238E27FC236}">
+                <a16:creationId xmlns:a16="http://schemas.microsoft.com/office/drawing/2014/main" id="{EB5F9B50-CED9-4961-91E8-058BE256771F}"/>
+              </a:ext>
+            </a:extLst>
+          </p:cNvPr>
           <p:cNvSpPr>
             <a:spLocks noGrp="1"/>
           </p:cNvSpPr>
@@ -21881,19 +21878,108 @@
           <a:lstStyle/>
           <a:p>
             <a:pPr rtl="0"/>
+            <a:fld id="{9EC71654-96A5-4280-94F3-931C61A9F92C}" type="slidenum">
+              <a:rPr lang="fr-FR" smtClean="0"/>
+              <a:pPr rtl="0"/>
+              <a:t>7</a:t>
+            </a:fld>
+            <a:endParaRPr lang="fr-FR" dirty="0"/>
+          </a:p>
+        </p:txBody>
+      </p:sp>
+      <p:sp>
+        <p:nvSpPr>
+          <p:cNvPr id="7" name="Rectangle 6">
+            <a:extLst>
+              <a:ext uri="{FF2B5EF4-FFF2-40B4-BE49-F238E27FC236}">
+                <a16:creationId xmlns:a16="http://schemas.microsoft.com/office/drawing/2014/main" id="{A8610CBC-B32B-40E9-BD05-EA912E40E145}"/>
+              </a:ext>
+            </a:extLst>
+          </p:cNvPr>
+          <p:cNvSpPr/>
+          <p:nvPr/>
+        </p:nvSpPr>
+        <p:spPr>
+          <a:xfrm>
+            <a:off x="229236" y="6133906"/>
+            <a:ext cx="1901316" cy="643666"/>
+          </a:xfrm>
+          <a:prstGeom prst="rect">
+            <a:avLst/>
+          </a:prstGeom>
+          <a:solidFill>
+            <a:schemeClr val="bg1"/>
+          </a:solidFill>
+          <a:ln>
+            <a:noFill/>
+          </a:ln>
+        </p:spPr>
+        <p:style>
+          <a:lnRef idx="2">
+            <a:schemeClr val="accent1">
+              <a:shade val="50000"/>
+            </a:schemeClr>
+          </a:lnRef>
+          <a:fillRef idx="1">
+            <a:schemeClr val="accent1"/>
+          </a:fillRef>
+          <a:effectRef idx="0">
+            <a:schemeClr val="accent1"/>
+          </a:effectRef>
+          <a:fontRef idx="minor">
+            <a:schemeClr val="lt1"/>
+          </a:fontRef>
+        </p:style>
+        <p:txBody>
+          <a:bodyPr rtlCol="0" anchor="ctr"/>
+          <a:lstStyle/>
+          <a:p>
+            <a:pPr algn="ctr"/>
+            <a:endParaRPr lang="fr-FR"/>
+          </a:p>
+        </p:txBody>
+      </p:sp>
+      <p:sp>
+        <p:nvSpPr>
+          <p:cNvPr id="8" name="ZoneTexte 7">
+            <a:extLst>
+              <a:ext uri="{FF2B5EF4-FFF2-40B4-BE49-F238E27FC236}">
+                <a16:creationId xmlns:a16="http://schemas.microsoft.com/office/drawing/2014/main" id="{AA861422-A173-4707-AEC1-C0BA53038C8A}"/>
+              </a:ext>
+            </a:extLst>
+          </p:cNvPr>
+          <p:cNvSpPr txBox="1"/>
+          <p:nvPr/>
+        </p:nvSpPr>
+        <p:spPr>
+          <a:xfrm>
+            <a:off x="4252087" y="5764574"/>
+            <a:ext cx="3745064" cy="369332"/>
+          </a:xfrm>
+          <a:prstGeom prst="rect">
+            <a:avLst/>
+          </a:prstGeom>
+          <a:noFill/>
+        </p:spPr>
+        <p:txBody>
+          <a:bodyPr wrap="none" rtlCol="0">
+            <a:spAutoFit/>
+          </a:bodyPr>
+          <a:lstStyle/>
+          <a:p>
             <a:r>
               <a:rPr lang="fr-FR" dirty="0"/>
-              <a:t>9</a:t>
+              <a:t>(Documentation complète disponible)</a:t>
             </a:r>
           </a:p>
         </p:txBody>
       </p:sp>
       <p:pic>
         <p:nvPicPr>
-          <p:cNvPr id="2" name="Image 1">
-            <a:extLst>
-              <a:ext uri="{FF2B5EF4-FFF2-40B4-BE49-F238E27FC236}">
-                <a16:creationId xmlns:a16="http://schemas.microsoft.com/office/drawing/2014/main" id="{F1846494-DD1D-4448-A01D-B6513D149BE3}"/>
+          <p:cNvPr id="4" name="Image 3">
+            <a:extLst>
+              <a:ext uri="{FF2B5EF4-FFF2-40B4-BE49-F238E27FC236}">
+                <a16:creationId xmlns:a16="http://schemas.microsoft.com/office/drawing/2014/main" id="{8083AF43-10B9-4C62-9DFC-62128C93176F}"/>
               </a:ext>
             </a:extLst>
           </p:cNvPr>
@@ -21910,8 +21996,8 @@
         </p:blipFill>
         <p:spPr>
           <a:xfrm>
-            <a:off x="290512" y="1016748"/>
-            <a:ext cx="10168213" cy="5765051"/>
+            <a:off x="642012" y="1411048"/>
+            <a:ext cx="8677275" cy="4800600"/>
           </a:xfrm>
           <a:prstGeom prst="rect">
             <a:avLst/>
@@ -21921,7 +22007,7 @@
     </p:spTree>
     <p:extLst>
       <p:ext uri="{BB962C8B-B14F-4D97-AF65-F5344CB8AC3E}">
-        <p14:creationId xmlns:p14="http://schemas.microsoft.com/office/powerpoint/2010/main" val="688656153"/>
+        <p14:creationId xmlns:p14="http://schemas.microsoft.com/office/powerpoint/2010/main" val="1169930804"/>
       </p:ext>
     </p:extLst>
   </p:cSld>
@@ -21971,11 +22057,58 @@
           <a:p>
             <a:r>
               <a:rPr lang="fr-FR" dirty="0"/>
-              <a:t>Modèle conceptuel de données :</a:t>
+              <a:t>Modèle Logique de données :</a:t>
             </a:r>
           </a:p>
         </p:txBody>
       </p:sp>
+      <p:pic>
+        <p:nvPicPr>
+          <p:cNvPr id="1026" name="Picture 2">
+            <a:extLst>
+              <a:ext uri="{FF2B5EF4-FFF2-40B4-BE49-F238E27FC236}">
+                <a16:creationId xmlns:a16="http://schemas.microsoft.com/office/drawing/2014/main" id="{8F9F3BE1-4AC7-41D1-A32A-719B47669C96}"/>
+              </a:ext>
+            </a:extLst>
+          </p:cNvPr>
+          <p:cNvPicPr>
+            <a:picLocks noChangeAspect="1" noChangeArrowheads="1"/>
+          </p:cNvPicPr>
+          <p:nvPr/>
+        </p:nvPicPr>
+        <p:blipFill>
+          <a:blip r:embed="rId2">
+            <a:extLst>
+              <a:ext uri="{28A0092B-C50C-407E-A947-70E740481C1C}">
+                <a14:useLocalDpi xmlns:a14="http://schemas.microsoft.com/office/drawing/2010/main" val="0"/>
+              </a:ext>
+            </a:extLst>
+          </a:blip>
+          <a:srcRect/>
+          <a:stretch>
+            <a:fillRect/>
+          </a:stretch>
+        </p:blipFill>
+        <p:spPr bwMode="auto">
+          <a:xfrm>
+            <a:off x="0" y="1357313"/>
+            <a:ext cx="12192000" cy="5500687"/>
+          </a:xfrm>
+          <a:prstGeom prst="rect">
+            <a:avLst/>
+          </a:prstGeom>
+          <a:noFill/>
+          <a:extLst>
+            <a:ext uri="{909E8E84-426E-40DD-AFC4-6F175D3DCCD1}">
+              <a14:hiddenFill xmlns:a14="http://schemas.microsoft.com/office/drawing/2010/main">
+                <a:solidFill>
+                  <a:srgbClr val="FFFFFF"/>
+                </a:solidFill>
+              </a14:hiddenFill>
+            </a:ext>
+          </a:extLst>
+        </p:spPr>
+      </p:pic>
       <p:sp>
         <p:nvSpPr>
           <p:cNvPr id="4" name="Espace réservé du numéro de diapositive 3">
@@ -22007,196 +22140,36 @@
           </a:p>
         </p:txBody>
       </p:sp>
-      <p:sp>
-        <p:nvSpPr>
-          <p:cNvPr id="5" name="Espace réservé du contenu 4">
-            <a:extLst>
-              <a:ext uri="{FF2B5EF4-FFF2-40B4-BE49-F238E27FC236}">
-                <a16:creationId xmlns:a16="http://schemas.microsoft.com/office/drawing/2014/main" id="{A41019AD-EEA5-4D6E-AB11-5833D0990582}"/>
-              </a:ext>
-            </a:extLst>
-          </p:cNvPr>
-          <p:cNvSpPr>
-            <a:spLocks noGrp="1"/>
-          </p:cNvSpPr>
-          <p:nvPr>
-            <p:ph idx="15"/>
-          </p:nvPr>
-        </p:nvSpPr>
-        <p:spPr/>
-        <p:txBody>
-          <a:bodyPr/>
-          <a:lstStyle/>
-          <a:p>
-            <a:endParaRPr lang="fr-FR"/>
-          </a:p>
-        </p:txBody>
-      </p:sp>
-      <p:sp>
-        <p:nvSpPr>
-          <p:cNvPr id="7" name="Espace réservé du contenu 6">
-            <a:extLst>
-              <a:ext uri="{FF2B5EF4-FFF2-40B4-BE49-F238E27FC236}">
-                <a16:creationId xmlns:a16="http://schemas.microsoft.com/office/drawing/2014/main" id="{CE59D9CA-5FFC-4CAA-AFD6-96D2512C946E}"/>
-              </a:ext>
-            </a:extLst>
-          </p:cNvPr>
-          <p:cNvSpPr>
-            <a:spLocks noGrp="1"/>
-          </p:cNvSpPr>
-          <p:nvPr>
-            <p:ph idx="20"/>
-          </p:nvPr>
-        </p:nvSpPr>
-        <p:spPr/>
-        <p:txBody>
-          <a:bodyPr/>
-          <a:lstStyle/>
-          <a:p>
-            <a:endParaRPr lang="fr-FR"/>
-          </a:p>
-        </p:txBody>
-      </p:sp>
-      <p:sp>
-        <p:nvSpPr>
-          <p:cNvPr id="8" name="Espace réservé pour une image  7">
-            <a:extLst>
-              <a:ext uri="{FF2B5EF4-FFF2-40B4-BE49-F238E27FC236}">
-                <a16:creationId xmlns:a16="http://schemas.microsoft.com/office/drawing/2014/main" id="{857614D1-A74E-4782-B07E-93FD9A637FDC}"/>
-              </a:ext>
-            </a:extLst>
-          </p:cNvPr>
-          <p:cNvSpPr>
-            <a:spLocks noGrp="1"/>
-          </p:cNvSpPr>
-          <p:nvPr>
-            <p:ph type="pic" sz="quarter" idx="21"/>
-          </p:nvPr>
-        </p:nvSpPr>
-        <p:spPr/>
-      </p:sp>
-      <p:sp>
-        <p:nvSpPr>
-          <p:cNvPr id="9" name="Espace réservé pour une image  8">
-            <a:extLst>
-              <a:ext uri="{FF2B5EF4-FFF2-40B4-BE49-F238E27FC236}">
-                <a16:creationId xmlns:a16="http://schemas.microsoft.com/office/drawing/2014/main" id="{86D9C358-2B3E-4348-80E2-67808B43B068}"/>
-              </a:ext>
-            </a:extLst>
-          </p:cNvPr>
-          <p:cNvSpPr>
-            <a:spLocks noGrp="1"/>
-          </p:cNvSpPr>
-          <p:nvPr>
-            <p:ph type="pic" sz="quarter" idx="22"/>
-          </p:nvPr>
-        </p:nvSpPr>
-        <p:spPr/>
-      </p:sp>
-      <p:sp>
-        <p:nvSpPr>
-          <p:cNvPr id="10" name="Rectangle 9">
-            <a:extLst>
-              <a:ext uri="{FF2B5EF4-FFF2-40B4-BE49-F238E27FC236}">
-                <a16:creationId xmlns:a16="http://schemas.microsoft.com/office/drawing/2014/main" id="{58542F71-8EE2-4E08-B719-F36C5ED59F11}"/>
-              </a:ext>
-            </a:extLst>
-          </p:cNvPr>
-          <p:cNvSpPr/>
+      <p:pic>
+        <p:nvPicPr>
+          <p:cNvPr id="3" name="Image 2">
+            <a:extLst>
+              <a:ext uri="{FF2B5EF4-FFF2-40B4-BE49-F238E27FC236}">
+                <a16:creationId xmlns:a16="http://schemas.microsoft.com/office/drawing/2014/main" id="{C47236BD-D86C-4A72-8E76-E3E57A2F4C55}"/>
+              </a:ext>
+            </a:extLst>
+          </p:cNvPr>
+          <p:cNvPicPr>
+            <a:picLocks noChangeAspect="1"/>
+          </p:cNvPicPr>
           <p:nvPr/>
-        </p:nvSpPr>
+        </p:nvPicPr>
+        <p:blipFill>
+          <a:blip r:embed="rId3"/>
+          <a:stretch>
+            <a:fillRect/>
+          </a:stretch>
+        </p:blipFill>
         <p:spPr>
           <a:xfrm>
-            <a:off x="6091238" y="4648562"/>
-            <a:ext cx="6100762" cy="1120588"/>
+            <a:off x="11239463" y="6349397"/>
+            <a:ext cx="542925" cy="400050"/>
           </a:xfrm>
           <a:prstGeom prst="rect">
             <a:avLst/>
           </a:prstGeom>
-          <a:solidFill>
-            <a:schemeClr val="bg1"/>
-          </a:solidFill>
-          <a:ln>
-            <a:noFill/>
-          </a:ln>
         </p:spPr>
-        <p:style>
-          <a:lnRef idx="2">
-            <a:schemeClr val="accent1">
-              <a:shade val="50000"/>
-            </a:schemeClr>
-          </a:lnRef>
-          <a:fillRef idx="1">
-            <a:schemeClr val="accent1"/>
-          </a:fillRef>
-          <a:effectRef idx="0">
-            <a:schemeClr val="accent1"/>
-          </a:effectRef>
-          <a:fontRef idx="minor">
-            <a:schemeClr val="lt1"/>
-          </a:fontRef>
-        </p:style>
-        <p:txBody>
-          <a:bodyPr rtlCol="0" anchor="ctr"/>
-          <a:lstStyle/>
-          <a:p>
-            <a:pPr algn="ctr"/>
-            <a:endParaRPr lang="fr-FR"/>
-          </a:p>
-        </p:txBody>
-      </p:sp>
-      <p:sp>
-        <p:nvSpPr>
-          <p:cNvPr id="11" name="Rectangle 10">
-            <a:extLst>
-              <a:ext uri="{FF2B5EF4-FFF2-40B4-BE49-F238E27FC236}">
-                <a16:creationId xmlns:a16="http://schemas.microsoft.com/office/drawing/2014/main" id="{8E9CD985-258A-4B3D-B2B5-C6F9D7FC6EFF}"/>
-              </a:ext>
-            </a:extLst>
-          </p:cNvPr>
-          <p:cNvSpPr/>
-          <p:nvPr/>
-        </p:nvSpPr>
-        <p:spPr>
-          <a:xfrm>
-            <a:off x="219375" y="5647765"/>
-            <a:ext cx="3321684" cy="1120588"/>
-          </a:xfrm>
-          <a:prstGeom prst="rect">
-            <a:avLst/>
-          </a:prstGeom>
-          <a:solidFill>
-            <a:schemeClr val="bg1"/>
-          </a:solidFill>
-          <a:ln>
-            <a:noFill/>
-          </a:ln>
-        </p:spPr>
-        <p:style>
-          <a:lnRef idx="2">
-            <a:schemeClr val="accent1">
-              <a:shade val="50000"/>
-            </a:schemeClr>
-          </a:lnRef>
-          <a:fillRef idx="1">
-            <a:schemeClr val="accent1"/>
-          </a:fillRef>
-          <a:effectRef idx="0">
-            <a:schemeClr val="accent1"/>
-          </a:effectRef>
-          <a:fontRef idx="minor">
-            <a:schemeClr val="lt1"/>
-          </a:fontRef>
-        </p:style>
-        <p:txBody>
-          <a:bodyPr rtlCol="0" anchor="ctr"/>
-          <a:lstStyle/>
-          <a:p>
-            <a:pPr algn="ctr"/>
-            <a:endParaRPr lang="fr-FR"/>
-          </a:p>
-        </p:txBody>
-      </p:sp>
+      </p:pic>
     </p:spTree>
     <p:extLst>
       <p:ext uri="{BB962C8B-B14F-4D97-AF65-F5344CB8AC3E}">
@@ -22229,13 +22202,7 @@
       </p:grpSpPr>
       <p:sp>
         <p:nvSpPr>
-          <p:cNvPr id="2" name="Titre 1">
-            <a:extLst>
-              <a:ext uri="{FF2B5EF4-FFF2-40B4-BE49-F238E27FC236}">
-                <a16:creationId xmlns:a16="http://schemas.microsoft.com/office/drawing/2014/main" id="{4332B532-EB3E-428B-9224-EFA237D16A73}"/>
-              </a:ext>
-            </a:extLst>
-          </p:cNvPr>
+          <p:cNvPr id="7" name="Titre 1"/>
           <p:cNvSpPr>
             <a:spLocks noGrp="1"/>
           </p:cNvSpPr>
@@ -22243,7 +22210,12 @@
             <p:ph type="title"/>
           </p:nvPr>
         </p:nvSpPr>
-        <p:spPr/>
+        <p:spPr>
+          <a:xfrm>
+            <a:off x="360326" y="129170"/>
+            <a:ext cx="11150600" cy="920336"/>
+          </a:xfrm>
+        </p:spPr>
         <p:txBody>
           <a:bodyPr rtlCol="0"/>
           <a:lstStyle/>
@@ -22251,20 +22223,14 @@
             <a:pPr rtl="0"/>
             <a:r>
               <a:rPr lang="fr-FR" dirty="0"/>
-              <a:t>Diagrammes de séquences et de classe</a:t>
+              <a:t>Dictionnaire de données :</a:t>
             </a:r>
           </a:p>
         </p:txBody>
       </p:sp>
       <p:sp>
         <p:nvSpPr>
-          <p:cNvPr id="3" name="Espace réservé du numéro de diapositive 2">
-            <a:extLst>
-              <a:ext uri="{FF2B5EF4-FFF2-40B4-BE49-F238E27FC236}">
-                <a16:creationId xmlns:a16="http://schemas.microsoft.com/office/drawing/2014/main" id="{EB5F9B50-CED9-4961-91E8-058BE256771F}"/>
-              </a:ext>
-            </a:extLst>
-          </p:cNvPr>
+          <p:cNvPr id="4" name="Espace réservé du numéro de diapositive 3"/>
           <p:cNvSpPr>
             <a:spLocks noGrp="1"/>
           </p:cNvSpPr>
@@ -22278,99 +22244,47 @@
           <a:lstStyle/>
           <a:p>
             <a:pPr rtl="0"/>
-            <a:fld id="{9EC71654-96A5-4280-94F3-931C61A9F92C}" type="slidenum">
-              <a:rPr lang="fr-FR" smtClean="0"/>
-              <a:pPr rtl="0"/>
+            <a:r>
+              <a:rPr lang="fr-FR" dirty="0"/>
               <a:t>9</a:t>
-            </a:fld>
-            <a:endParaRPr lang="fr-FR" dirty="0"/>
-          </a:p>
-        </p:txBody>
-      </p:sp>
-      <p:graphicFrame>
-        <p:nvGraphicFramePr>
-          <p:cNvPr id="9" name="Graphique 8" descr="Graphique en secteurs">
-            <a:extLst>
-              <a:ext uri="{FF2B5EF4-FFF2-40B4-BE49-F238E27FC236}">
-                <a16:creationId xmlns:a16="http://schemas.microsoft.com/office/drawing/2014/main" id="{DCCB6637-D8E6-4BF1-9EF6-E5654DE57B60}"/>
-              </a:ext>
-            </a:extLst>
-          </p:cNvPr>
-          <p:cNvGraphicFramePr/>
-          <p:nvPr>
-            <p:extLst>
-              <p:ext uri="{D42A27DB-BD31-4B8C-83A1-F6EECF244321}">
-                <p14:modId xmlns:p14="http://schemas.microsoft.com/office/powerpoint/2010/main" val="2275895457"/>
-              </p:ext>
-            </p:extLst>
-          </p:nvPr>
-        </p:nvGraphicFramePr>
-        <p:xfrm>
-          <a:off x="6085314" y="1603524"/>
-          <a:ext cx="6106686" cy="4071125"/>
-        </p:xfrm>
-        <a:graphic>
-          <a:graphicData uri="http://schemas.openxmlformats.org/drawingml/2006/chart">
-            <c:chart xmlns:c="http://schemas.openxmlformats.org/drawingml/2006/chart" xmlns:r="http://schemas.openxmlformats.org/officeDocument/2006/relationships" r:id="rId3"/>
-          </a:graphicData>
-        </a:graphic>
-      </p:graphicFrame>
-      <p:sp>
-        <p:nvSpPr>
-          <p:cNvPr id="7" name="Rectangle 6">
-            <a:extLst>
-              <a:ext uri="{FF2B5EF4-FFF2-40B4-BE49-F238E27FC236}">
-                <a16:creationId xmlns:a16="http://schemas.microsoft.com/office/drawing/2014/main" id="{A8610CBC-B32B-40E9-BD05-EA912E40E145}"/>
-              </a:ext>
-            </a:extLst>
-          </p:cNvPr>
-          <p:cNvSpPr/>
+            </a:r>
+          </a:p>
+        </p:txBody>
+      </p:sp>
+      <p:pic>
+        <p:nvPicPr>
+          <p:cNvPr id="2" name="Image 1">
+            <a:extLst>
+              <a:ext uri="{FF2B5EF4-FFF2-40B4-BE49-F238E27FC236}">
+                <a16:creationId xmlns:a16="http://schemas.microsoft.com/office/drawing/2014/main" id="{F1846494-DD1D-4448-A01D-B6513D149BE3}"/>
+              </a:ext>
+            </a:extLst>
+          </p:cNvPr>
+          <p:cNvPicPr>
+            <a:picLocks noChangeAspect="1"/>
+          </p:cNvPicPr>
           <p:nvPr/>
-        </p:nvSpPr>
+        </p:nvPicPr>
+        <p:blipFill>
+          <a:blip r:embed="rId3"/>
+          <a:stretch>
+            <a:fillRect/>
+          </a:stretch>
+        </p:blipFill>
         <p:spPr>
           <a:xfrm>
-            <a:off x="229236" y="6133906"/>
-            <a:ext cx="1901316" cy="643666"/>
+            <a:off x="290512" y="1016748"/>
+            <a:ext cx="10168213" cy="5765051"/>
           </a:xfrm>
           <a:prstGeom prst="rect">
             <a:avLst/>
           </a:prstGeom>
-          <a:solidFill>
-            <a:schemeClr val="bg1"/>
-          </a:solidFill>
-          <a:ln>
-            <a:noFill/>
-          </a:ln>
         </p:spPr>
-        <p:style>
-          <a:lnRef idx="2">
-            <a:schemeClr val="accent1">
-              <a:shade val="50000"/>
-            </a:schemeClr>
-          </a:lnRef>
-          <a:fillRef idx="1">
-            <a:schemeClr val="accent1"/>
-          </a:fillRef>
-          <a:effectRef idx="0">
-            <a:schemeClr val="accent1"/>
-          </a:effectRef>
-          <a:fontRef idx="minor">
-            <a:schemeClr val="lt1"/>
-          </a:fontRef>
-        </p:style>
-        <p:txBody>
-          <a:bodyPr rtlCol="0" anchor="ctr"/>
-          <a:lstStyle/>
-          <a:p>
-            <a:pPr algn="ctr"/>
-            <a:endParaRPr lang="fr-FR"/>
-          </a:p>
-        </p:txBody>
-      </p:sp>
+      </p:pic>
     </p:spTree>
     <p:extLst>
       <p:ext uri="{BB962C8B-B14F-4D97-AF65-F5344CB8AC3E}">
-        <p14:creationId xmlns:p14="http://schemas.microsoft.com/office/powerpoint/2010/main" val="1169930804"/>
+        <p14:creationId xmlns:p14="http://schemas.microsoft.com/office/powerpoint/2010/main" val="688656153"/>
       </p:ext>
     </p:extLst>
   </p:cSld>
@@ -23343,20 +23257,20 @@
 </file>
 
 <file path=customXml/item2.xml><?xml version="1.0" encoding="utf-8"?>
-<p:properties xmlns:p="http://schemas.microsoft.com/office/2006/metadata/properties" xmlns:xsi="http://www.w3.org/2001/XMLSchema-instance" xmlns:pc="http://schemas.microsoft.com/office/infopath/2007/PartnerControls">
-  <documentManagement>
-    <MediaServiceKeyPoints xmlns="71af3243-3dd4-4a8d-8c0d-dd76da1f02a5" xsi:nil="true"/>
-  </documentManagement>
-</p:properties>
-</file>
-
-<file path=customXml/item3.xml><?xml version="1.0" encoding="utf-8"?>
 <?mso-contentType ?>
 <FormTemplates xmlns="http://schemas.microsoft.com/sharepoint/v3/contenttype/forms">
   <Display>DocumentLibraryForm</Display>
   <Edit>DocumentLibraryForm</Edit>
   <New>DocumentLibraryForm</New>
 </FormTemplates>
+</file>
+
+<file path=customXml/item3.xml><?xml version="1.0" encoding="utf-8"?>
+<p:properties xmlns:p="http://schemas.microsoft.com/office/2006/metadata/properties" xmlns:xsi="http://www.w3.org/2001/XMLSchema-instance" xmlns:pc="http://schemas.microsoft.com/office/infopath/2007/PartnerControls">
+  <documentManagement>
+    <MediaServiceKeyPoints xmlns="71af3243-3dd4-4a8d-8c0d-dd76da1f02a5" xsi:nil="true"/>
+  </documentManagement>
+</p:properties>
 </file>
 
 <file path=customXml/itemProps1.xml><?xml version="1.0" encoding="utf-8"?>
@@ -23379,6 +23293,14 @@
 </file>
 
 <file path=customXml/itemProps2.xml><?xml version="1.0" encoding="utf-8"?>
+<ds:datastoreItem xmlns:ds="http://schemas.openxmlformats.org/officeDocument/2006/customXml" ds:itemID="{A4C31332-3081-4BD9-AD6F-078B4521F357}">
+  <ds:schemaRefs>
+    <ds:schemaRef ds:uri="http://schemas.microsoft.com/sharepoint/v3/contenttype/forms"/>
+  </ds:schemaRefs>
+</ds:datastoreItem>
+</file>
+
+<file path=customXml/itemProps3.xml><?xml version="1.0" encoding="utf-8"?>
 <ds:datastoreItem xmlns:ds="http://schemas.openxmlformats.org/officeDocument/2006/customXml" ds:itemID="{2519797F-2510-4681-A59B-FCD8F3733FE0}">
   <ds:schemaRefs>
     <ds:schemaRef ds:uri="http://schemas.microsoft.com/office/2006/metadata/properties"/>
@@ -23386,12 +23308,4 @@
     <ds:schemaRef ds:uri="71af3243-3dd4-4a8d-8c0d-dd76da1f02a5"/>
   </ds:schemaRefs>
 </ds:datastoreItem>
-</file>
-
-<file path=customXml/itemProps3.xml><?xml version="1.0" encoding="utf-8"?>
-<ds:datastoreItem xmlns:ds="http://schemas.openxmlformats.org/officeDocument/2006/customXml" ds:itemID="{A4C31332-3081-4BD9-AD6F-078B4521F357}">
-  <ds:schemaRefs>
-    <ds:schemaRef ds:uri="http://schemas.microsoft.com/sharepoint/v3/contenttype/forms"/>
-  </ds:schemaRefs>
-</ds:datastoreItem>
 </file>